--- a/Presentations/InterviewScheduler.pptx
+++ b/Presentations/InterviewScheduler.pptx
@@ -5,25 +5,27 @@
     <p:sldMasterId id="2147483965" r:id="rId1"/>
   </p:sldMasterIdLst>
   <p:notesMasterIdLst>
-    <p:notesMasterId r:id="rId18"/>
+    <p:notesMasterId r:id="rId20"/>
   </p:notesMasterIdLst>
   <p:sldIdLst>
     <p:sldId id="256" r:id="rId2"/>
     <p:sldId id="257" r:id="rId3"/>
-    <p:sldId id="261" r:id="rId4"/>
-    <p:sldId id="264" r:id="rId5"/>
-    <p:sldId id="262" r:id="rId6"/>
-    <p:sldId id="263" r:id="rId7"/>
-    <p:sldId id="265" r:id="rId8"/>
-    <p:sldId id="266" r:id="rId9"/>
-    <p:sldId id="267" r:id="rId10"/>
-    <p:sldId id="268" r:id="rId11"/>
-    <p:sldId id="269" r:id="rId12"/>
-    <p:sldId id="270" r:id="rId13"/>
-    <p:sldId id="271" r:id="rId14"/>
-    <p:sldId id="272" r:id="rId15"/>
-    <p:sldId id="273" r:id="rId16"/>
-    <p:sldId id="274" r:id="rId17"/>
+    <p:sldId id="276" r:id="rId4"/>
+    <p:sldId id="261" r:id="rId5"/>
+    <p:sldId id="275" r:id="rId6"/>
+    <p:sldId id="264" r:id="rId7"/>
+    <p:sldId id="262" r:id="rId8"/>
+    <p:sldId id="263" r:id="rId9"/>
+    <p:sldId id="265" r:id="rId10"/>
+    <p:sldId id="266" r:id="rId11"/>
+    <p:sldId id="267" r:id="rId12"/>
+    <p:sldId id="268" r:id="rId13"/>
+    <p:sldId id="269" r:id="rId14"/>
+    <p:sldId id="270" r:id="rId15"/>
+    <p:sldId id="271" r:id="rId16"/>
+    <p:sldId id="272" r:id="rId17"/>
+    <p:sldId id="273" r:id="rId18"/>
+    <p:sldId id="274" r:id="rId19"/>
   </p:sldIdLst>
   <p:sldSz cx="12192000" cy="6858000"/>
   <p:notesSz cx="6858000" cy="9144000"/>
@@ -122,6 +124,11 @@
       </a:defRPr>
     </a:lvl9pPr>
   </p:defaultTextStyle>
+  <p:extLst>
+    <p:ext uri="{EFAFB233-063F-42B5-8137-9DF3F51BA10A}">
+      <p15:sldGuideLst xmlns:p15="http://schemas.microsoft.com/office/powerpoint/2012/main"/>
+    </p:ext>
+  </p:extLst>
 </p:presentation>
 </file>
 
@@ -207,7 +214,7 @@
           <a:p>
             <a:fld id="{C125E9C8-6D22-42EF-9080-A6541F58D985}" type="datetimeFigureOut">
               <a:rPr lang="en-US" smtClean="0"/>
-              <a:t>12/25/2018</a:t>
+              <a:t>1/12/2019</a:t>
             </a:fld>
             <a:endParaRPr lang="en-US"/>
           </a:p>
@@ -539,7 +546,7 @@
           <a:p>
             <a:fld id="{FBC4FE1C-94CA-4B58-885D-3BAE5364F9D4}" type="slidenum">
               <a:rPr lang="en-US" smtClean="0"/>
-              <a:t>3</a:t>
+              <a:t>4</a:t>
             </a:fld>
             <a:endParaRPr lang="en-US"/>
           </a:p>
@@ -623,7 +630,7 @@
           <a:p>
             <a:fld id="{FBC4FE1C-94CA-4B58-885D-3BAE5364F9D4}" type="slidenum">
               <a:rPr lang="en-US" smtClean="0"/>
-              <a:t>12</a:t>
+              <a:t>14</a:t>
             </a:fld>
             <a:endParaRPr lang="en-US"/>
           </a:p>
@@ -707,7 +714,7 @@
           <a:p>
             <a:fld id="{FBC4FE1C-94CA-4B58-885D-3BAE5364F9D4}" type="slidenum">
               <a:rPr lang="en-US" smtClean="0"/>
-              <a:t>13</a:t>
+              <a:t>15</a:t>
             </a:fld>
             <a:endParaRPr lang="en-US"/>
           </a:p>
@@ -791,7 +798,7 @@
           <a:p>
             <a:fld id="{FBC4FE1C-94CA-4B58-885D-3BAE5364F9D4}" type="slidenum">
               <a:rPr lang="en-US" smtClean="0"/>
-              <a:t>14</a:t>
+              <a:t>16</a:t>
             </a:fld>
             <a:endParaRPr lang="en-US"/>
           </a:p>
@@ -875,7 +882,7 @@
           <a:p>
             <a:fld id="{FBC4FE1C-94CA-4B58-885D-3BAE5364F9D4}" type="slidenum">
               <a:rPr lang="en-US" smtClean="0"/>
-              <a:t>15</a:t>
+              <a:t>17</a:t>
             </a:fld>
             <a:endParaRPr lang="en-US"/>
           </a:p>
@@ -959,7 +966,7 @@
           <a:p>
             <a:fld id="{FBC4FE1C-94CA-4B58-885D-3BAE5364F9D4}" type="slidenum">
               <a:rPr lang="en-US" smtClean="0"/>
-              <a:t>16</a:t>
+              <a:t>18</a:t>
             </a:fld>
             <a:endParaRPr lang="en-US"/>
           </a:p>
@@ -1043,7 +1050,7 @@
           <a:p>
             <a:fld id="{FBC4FE1C-94CA-4B58-885D-3BAE5364F9D4}" type="slidenum">
               <a:rPr lang="en-US" smtClean="0"/>
-              <a:t>4</a:t>
+              <a:t>6</a:t>
             </a:fld>
             <a:endParaRPr lang="en-US"/>
           </a:p>
@@ -1127,7 +1134,7 @@
           <a:p>
             <a:fld id="{FBC4FE1C-94CA-4B58-885D-3BAE5364F9D4}" type="slidenum">
               <a:rPr lang="en-US" smtClean="0"/>
-              <a:t>5</a:t>
+              <a:t>7</a:t>
             </a:fld>
             <a:endParaRPr lang="en-US"/>
           </a:p>
@@ -1211,7 +1218,7 @@
           <a:p>
             <a:fld id="{FBC4FE1C-94CA-4B58-885D-3BAE5364F9D4}" type="slidenum">
               <a:rPr lang="en-US" smtClean="0"/>
-              <a:t>6</a:t>
+              <a:t>8</a:t>
             </a:fld>
             <a:endParaRPr lang="en-US"/>
           </a:p>
@@ -1295,7 +1302,7 @@
           <a:p>
             <a:fld id="{FBC4FE1C-94CA-4B58-885D-3BAE5364F9D4}" type="slidenum">
               <a:rPr lang="en-US" smtClean="0"/>
-              <a:t>7</a:t>
+              <a:t>9</a:t>
             </a:fld>
             <a:endParaRPr lang="en-US"/>
           </a:p>
@@ -1379,7 +1386,7 @@
           <a:p>
             <a:fld id="{FBC4FE1C-94CA-4B58-885D-3BAE5364F9D4}" type="slidenum">
               <a:rPr lang="en-US" smtClean="0"/>
-              <a:t>8</a:t>
+              <a:t>10</a:t>
             </a:fld>
             <a:endParaRPr lang="en-US"/>
           </a:p>
@@ -1463,7 +1470,7 @@
           <a:p>
             <a:fld id="{FBC4FE1C-94CA-4B58-885D-3BAE5364F9D4}" type="slidenum">
               <a:rPr lang="en-US" smtClean="0"/>
-              <a:t>9</a:t>
+              <a:t>11</a:t>
             </a:fld>
             <a:endParaRPr lang="en-US"/>
           </a:p>
@@ -1547,7 +1554,7 @@
           <a:p>
             <a:fld id="{FBC4FE1C-94CA-4B58-885D-3BAE5364F9D4}" type="slidenum">
               <a:rPr lang="en-US" smtClean="0"/>
-              <a:t>10</a:t>
+              <a:t>12</a:t>
             </a:fld>
             <a:endParaRPr lang="en-US"/>
           </a:p>
@@ -1631,7 +1638,7 @@
           <a:p>
             <a:fld id="{FBC4FE1C-94CA-4B58-885D-3BAE5364F9D4}" type="slidenum">
               <a:rPr lang="en-US" smtClean="0"/>
-              <a:t>11</a:t>
+              <a:t>13</a:t>
             </a:fld>
             <a:endParaRPr lang="en-US"/>
           </a:p>
@@ -1819,7 +1826,7 @@
           <a:p>
             <a:fld id="{CAADFE13-51D1-4B4D-956F-5988FE678111}" type="datetimeFigureOut">
               <a:rPr lang="en-US" smtClean="0"/>
-              <a:t>12/25/2018</a:t>
+              <a:t>1/12/2019</a:t>
             </a:fld>
             <a:endParaRPr lang="en-US"/>
           </a:p>
@@ -2149,7 +2156,7 @@
           <a:p>
             <a:fld id="{CAADFE13-51D1-4B4D-956F-5988FE678111}" type="datetimeFigureOut">
               <a:rPr lang="en-US" smtClean="0"/>
-              <a:t>12/25/2018</a:t>
+              <a:t>1/12/2019</a:t>
             </a:fld>
             <a:endParaRPr lang="en-US"/>
           </a:p>
@@ -2329,7 +2336,7 @@
           <a:p>
             <a:fld id="{CAADFE13-51D1-4B4D-956F-5988FE678111}" type="datetimeFigureOut">
               <a:rPr lang="en-US" smtClean="0"/>
-              <a:t>12/25/2018</a:t>
+              <a:t>1/12/2019</a:t>
             </a:fld>
             <a:endParaRPr lang="en-US"/>
           </a:p>
@@ -2499,7 +2506,7 @@
           <a:p>
             <a:fld id="{CAADFE13-51D1-4B4D-956F-5988FE678111}" type="datetimeFigureOut">
               <a:rPr lang="en-US" smtClean="0"/>
-              <a:t>12/25/2018</a:t>
+              <a:t>1/12/2019</a:t>
             </a:fld>
             <a:endParaRPr lang="en-US"/>
           </a:p>
@@ -2776,7 +2783,7 @@
           <a:p>
             <a:fld id="{CAADFE13-51D1-4B4D-956F-5988FE678111}" type="datetimeFigureOut">
               <a:rPr lang="en-US" smtClean="0"/>
-              <a:t>12/25/2018</a:t>
+              <a:t>1/12/2019</a:t>
             </a:fld>
             <a:endParaRPr lang="en-US"/>
           </a:p>
@@ -3170,7 +3177,7 @@
           <a:p>
             <a:fld id="{CAADFE13-51D1-4B4D-956F-5988FE678111}" type="datetimeFigureOut">
               <a:rPr lang="en-US" smtClean="0"/>
-              <a:t>12/25/2018</a:t>
+              <a:t>1/12/2019</a:t>
             </a:fld>
             <a:endParaRPr lang="en-US"/>
           </a:p>
@@ -3647,7 +3654,7 @@
           <a:p>
             <a:fld id="{CAADFE13-51D1-4B4D-956F-5988FE678111}" type="datetimeFigureOut">
               <a:rPr lang="en-US" smtClean="0"/>
-              <a:t>12/25/2018</a:t>
+              <a:t>1/12/2019</a:t>
             </a:fld>
             <a:endParaRPr lang="en-US"/>
           </a:p>
@@ -3765,7 +3772,7 @@
           <a:p>
             <a:fld id="{CAADFE13-51D1-4B4D-956F-5988FE678111}" type="datetimeFigureOut">
               <a:rPr lang="en-US" smtClean="0"/>
-              <a:t>12/25/2018</a:t>
+              <a:t>1/12/2019</a:t>
             </a:fld>
             <a:endParaRPr lang="en-US"/>
           </a:p>
@@ -3860,7 +3867,7 @@
           <a:p>
             <a:fld id="{CAADFE13-51D1-4B4D-956F-5988FE678111}" type="datetimeFigureOut">
               <a:rPr lang="en-US" smtClean="0"/>
-              <a:t>12/25/2018</a:t>
+              <a:t>1/12/2019</a:t>
             </a:fld>
             <a:endParaRPr lang="en-US"/>
           </a:p>
@@ -4206,7 +4213,7 @@
           <a:p>
             <a:fld id="{CAADFE13-51D1-4B4D-956F-5988FE678111}" type="datetimeFigureOut">
               <a:rPr lang="en-US" smtClean="0"/>
-              <a:t>12/25/2018</a:t>
+              <a:t>1/12/2019</a:t>
             </a:fld>
             <a:endParaRPr lang="en-US"/>
           </a:p>
@@ -4594,7 +4601,7 @@
           <a:p>
             <a:fld id="{CAADFE13-51D1-4B4D-956F-5988FE678111}" type="datetimeFigureOut">
               <a:rPr lang="en-US" smtClean="0"/>
-              <a:t>12/25/2018</a:t>
+              <a:t>1/12/2019</a:t>
             </a:fld>
             <a:endParaRPr lang="en-US"/>
           </a:p>
@@ -4872,7 +4879,7 @@
           <a:p>
             <a:fld id="{CAADFE13-51D1-4B4D-956F-5988FE678111}" type="datetimeFigureOut">
               <a:rPr lang="en-US" smtClean="0"/>
-              <a:t>12/25/2018</a:t>
+              <a:t>1/12/2019</a:t>
             </a:fld>
             <a:endParaRPr lang="en-US"/>
           </a:p>
@@ -5406,13 +5413,13 @@
           <a:lstStyle/>
           <a:p>
             <a:r>
-              <a:rPr lang="en-US" sz="6000" dirty="0">
+              <a:rPr lang="en-US" sz="6000" dirty="0" err="1">
                 <a:solidFill>
                   <a:srgbClr val="C00000"/>
                 </a:solidFill>
                 <a:latin typeface="Trebuchet MS" panose="020B0603020202020204" pitchFamily="34" charset="0"/>
               </a:rPr>
-              <a:t>Job Interview Scheduler</a:t>
+              <a:t>HErAcles</a:t>
             </a:r>
             <a:br>
               <a:rPr lang="en-US" dirty="0">
@@ -5539,7 +5546,7 @@
                 </a:solidFill>
                 <a:latin typeface="Trebuchet MS" panose="020B0603020202020204" pitchFamily="34" charset="0"/>
               </a:rPr>
-              <a:t>Selling Strategy</a:t>
+              <a:t>Target Customers</a:t>
             </a:r>
           </a:p>
         </p:txBody>
@@ -5562,8 +5569,8 @@
         </p:nvSpPr>
         <p:spPr>
           <a:xfrm>
-            <a:off x="1295400" y="1088572"/>
-            <a:ext cx="9601200" cy="5889172"/>
+            <a:off x="1295400" y="1273628"/>
+            <a:ext cx="9601200" cy="5159829"/>
           </a:xfrm>
         </p:spPr>
         <p:txBody>
@@ -5580,7 +5587,7 @@
               <a:rPr lang="en-US" sz="2400" dirty="0">
                 <a:latin typeface="Trebuchet MS" panose="020B0603020202020204" pitchFamily="34" charset="0"/>
               </a:rPr>
-              <a:t>For SMBs </a:t>
+              <a:t>Businesses with continuous hiring needs. </a:t>
             </a:r>
           </a:p>
           <a:p>
@@ -5593,121 +5600,43 @@
             </a:endParaRPr>
           </a:p>
           <a:p>
-            <a:pPr lvl="1">
-              <a:buFont typeface="Wingdings" panose="05000000000000000000" pitchFamily="2" charset="2"/>
-              <a:buChar char="v"/>
-            </a:pPr>
-            <a:r>
-              <a:rPr lang="en-US" sz="2400" dirty="0">
-                <a:latin typeface="Trebuchet MS" panose="020B0603020202020204" pitchFamily="34" charset="0"/>
-              </a:rPr>
-              <a:t>Digital Marketing. </a:t>
-            </a:r>
-          </a:p>
-          <a:p>
             <a:pPr>
               <a:buFont typeface="Wingdings" panose="05000000000000000000" pitchFamily="2" charset="2"/>
               <a:buChar char="v"/>
             </a:pPr>
+            <a:r>
+              <a:rPr lang="en-US" sz="2400" dirty="0">
+                <a:latin typeface="Trebuchet MS" panose="020B0603020202020204" pitchFamily="34" charset="0"/>
+              </a:rPr>
+              <a:t>Provide VAS to online portals like naukri.com, monster.com, shine.com etc.</a:t>
+            </a:r>
+          </a:p>
+          <a:p>
+            <a:pPr>
+              <a:buFont typeface="Wingdings" panose="05000000000000000000" pitchFamily="2" charset="2"/>
+              <a:buChar char="v"/>
+            </a:pPr>
+            <a:endParaRPr lang="en-US" sz="2800" dirty="0">
+              <a:latin typeface="Trebuchet MS" panose="020B0603020202020204" pitchFamily="34" charset="0"/>
+            </a:endParaRPr>
+          </a:p>
+          <a:p>
+            <a:pPr marL="0" indent="0">
+              <a:buNone/>
+            </a:pPr>
             <a:endParaRPr lang="en-US" sz="2400" dirty="0">
               <a:latin typeface="Trebuchet MS" panose="020B0603020202020204" pitchFamily="34" charset="0"/>
             </a:endParaRPr>
           </a:p>
           <a:p>
-            <a:pPr lvl="1">
-              <a:buFont typeface="Wingdings" panose="05000000000000000000" pitchFamily="2" charset="2"/>
-              <a:buChar char="v"/>
-            </a:pPr>
-            <a:r>
-              <a:rPr lang="en-US" sz="2400" dirty="0">
-                <a:latin typeface="Trebuchet MS" panose="020B0603020202020204" pitchFamily="34" charset="0"/>
-              </a:rPr>
-              <a:t>Self-help mechanism in registering and choosing pricing-plans. </a:t>
-            </a:r>
-          </a:p>
-          <a:p>
-            <a:pPr lvl="1">
-              <a:buFont typeface="Wingdings" panose="05000000000000000000" pitchFamily="2" charset="2"/>
-              <a:buChar char="v"/>
+            <a:pPr marL="0" indent="0">
+              <a:buNone/>
             </a:pPr>
             <a:endParaRPr lang="en-US" sz="2400" dirty="0">
               <a:latin typeface="Trebuchet MS" panose="020B0603020202020204" pitchFamily="34" charset="0"/>
             </a:endParaRPr>
           </a:p>
           <a:p>
-            <a:pPr>
-              <a:buFont typeface="Wingdings" panose="05000000000000000000" pitchFamily="2" charset="2"/>
-              <a:buChar char="v"/>
-            </a:pPr>
-            <a:r>
-              <a:rPr lang="en-US" sz="2400" dirty="0">
-                <a:latin typeface="Trebuchet MS" panose="020B0603020202020204" pitchFamily="34" charset="0"/>
-              </a:rPr>
-              <a:t>For Large Enterprises</a:t>
-            </a:r>
-          </a:p>
-          <a:p>
-            <a:pPr lvl="1">
-              <a:buFont typeface="Wingdings" panose="05000000000000000000" pitchFamily="2" charset="2"/>
-              <a:buChar char="v"/>
-            </a:pPr>
-            <a:r>
-              <a:rPr lang="en-US" sz="2400" dirty="0">
-                <a:latin typeface="Trebuchet MS" panose="020B0603020202020204" pitchFamily="34" charset="0"/>
-              </a:rPr>
-              <a:t>Custom onboarding and pricing plans. </a:t>
-            </a:r>
-          </a:p>
-          <a:p>
-            <a:pPr lvl="1">
-              <a:buFont typeface="Wingdings" panose="05000000000000000000" pitchFamily="2" charset="2"/>
-              <a:buChar char="v"/>
-            </a:pPr>
-            <a:endParaRPr lang="en-US" sz="2400" dirty="0">
-              <a:latin typeface="Trebuchet MS" panose="020B0603020202020204" pitchFamily="34" charset="0"/>
-            </a:endParaRPr>
-          </a:p>
-          <a:p>
-            <a:pPr>
-              <a:buFont typeface="Wingdings" panose="05000000000000000000" pitchFamily="2" charset="2"/>
-              <a:buChar char="v"/>
-            </a:pPr>
-            <a:r>
-              <a:rPr lang="en-US" sz="2400" dirty="0">
-                <a:latin typeface="Trebuchet MS" panose="020B0603020202020204" pitchFamily="34" charset="0"/>
-              </a:rPr>
-              <a:t>For job portals</a:t>
-            </a:r>
-          </a:p>
-          <a:p>
-            <a:pPr lvl="1">
-              <a:buFont typeface="Wingdings" panose="05000000000000000000" pitchFamily="2" charset="2"/>
-              <a:buChar char="v"/>
-            </a:pPr>
-            <a:r>
-              <a:rPr lang="en-US" sz="2400" dirty="0">
-                <a:latin typeface="Trebuchet MS" panose="020B0603020202020204" pitchFamily="34" charset="0"/>
-              </a:rPr>
-              <a:t>Custom onboarding and pricing plans. </a:t>
-            </a:r>
-          </a:p>
-          <a:p>
-            <a:pPr marL="0" indent="0">
-              <a:buNone/>
-            </a:pPr>
-            <a:endParaRPr lang="en-US" sz="2400" dirty="0">
-              <a:latin typeface="Trebuchet MS" panose="020B0603020202020204" pitchFamily="34" charset="0"/>
-            </a:endParaRPr>
-          </a:p>
-          <a:p>
-            <a:pPr marL="0" indent="0">
-              <a:buNone/>
-            </a:pPr>
-            <a:endParaRPr lang="en-US" sz="2400" dirty="0">
-              <a:latin typeface="Trebuchet MS" panose="020B0603020202020204" pitchFamily="34" charset="0"/>
-            </a:endParaRPr>
-          </a:p>
-          <a:p>
             <a:pPr marL="0" indent="0">
               <a:buNone/>
             </a:pPr>
@@ -5720,7 +5649,7 @@
     </p:spTree>
     <p:extLst>
       <p:ext uri="{BB962C8B-B14F-4D97-AF65-F5344CB8AC3E}">
-        <p14:creationId xmlns:p14="http://schemas.microsoft.com/office/powerpoint/2010/main" val="2474366170"/>
+        <p14:creationId xmlns:p14="http://schemas.microsoft.com/office/powerpoint/2010/main" val="1724144454"/>
       </p:ext>
     </p:extLst>
   </p:cSld>
@@ -5780,7 +5709,7 @@
                 </a:solidFill>
                 <a:latin typeface="Trebuchet MS" panose="020B0603020202020204" pitchFamily="34" charset="0"/>
               </a:rPr>
-              <a:t>Customer Acquisition</a:t>
+              <a:t>Value Proposition</a:t>
             </a:r>
           </a:p>
         </p:txBody>
@@ -5803,8 +5732,8 @@
         </p:nvSpPr>
         <p:spPr>
           <a:xfrm>
-            <a:off x="1295400" y="1088572"/>
-            <a:ext cx="9601200" cy="4963885"/>
+            <a:off x="1295400" y="1273628"/>
+            <a:ext cx="9601200" cy="5159829"/>
           </a:xfrm>
         </p:spPr>
         <p:txBody>
@@ -5821,8 +5750,17 @@
               <a:rPr lang="en-US" sz="2400" dirty="0">
                 <a:latin typeface="Trebuchet MS" panose="020B0603020202020204" pitchFamily="34" charset="0"/>
               </a:rPr>
-              <a:t>For SMBs </a:t>
-            </a:r>
+              <a:t>Streamlined hiring process for businesses to save time and/or outsourcing costs. </a:t>
+            </a:r>
+          </a:p>
+          <a:p>
+            <a:pPr>
+              <a:buFont typeface="Wingdings" panose="05000000000000000000" pitchFamily="2" charset="2"/>
+              <a:buChar char="v"/>
+            </a:pPr>
+            <a:endParaRPr lang="en-US" sz="2400" dirty="0">
+              <a:latin typeface="Trebuchet MS" panose="020B0603020202020204" pitchFamily="34" charset="0"/>
+            </a:endParaRPr>
           </a:p>
           <a:p>
             <a:pPr lvl="1">
@@ -5833,46 +5771,35 @@
               <a:rPr lang="en-US" sz="2400" dirty="0">
                 <a:latin typeface="Trebuchet MS" panose="020B0603020202020204" pitchFamily="34" charset="0"/>
               </a:rPr>
-              <a:t>Digital Marketing &amp; In-Person Marketing. </a:t>
-            </a:r>
-          </a:p>
-          <a:p>
-            <a:pPr marL="530352" lvl="1" indent="0">
-              <a:buNone/>
+              <a:t>Automated web and mobile notifications help in reducing delays associated with communication between stakeholders. </a:t>
+            </a:r>
+          </a:p>
+          <a:p>
+            <a:pPr>
+              <a:buFont typeface="Wingdings" panose="05000000000000000000" pitchFamily="2" charset="2"/>
+              <a:buChar char="v"/>
             </a:pPr>
             <a:endParaRPr lang="en-US" sz="2400" dirty="0">
               <a:latin typeface="Trebuchet MS" panose="020B0603020202020204" pitchFamily="34" charset="0"/>
             </a:endParaRPr>
           </a:p>
           <a:p>
+            <a:pPr lvl="1">
+              <a:buFont typeface="Wingdings" panose="05000000000000000000" pitchFamily="2" charset="2"/>
+              <a:buChar char="v"/>
+            </a:pPr>
+            <a:r>
+              <a:rPr lang="en-US" sz="2400" dirty="0">
+                <a:latin typeface="Trebuchet MS" panose="020B0603020202020204" pitchFamily="34" charset="0"/>
+              </a:rPr>
+              <a:t>Enables objective and fast decision-making and hence less time is required to bring an employee on board. </a:t>
+            </a:r>
+          </a:p>
+          <a:p>
             <a:pPr>
               <a:buFont typeface="Wingdings" panose="05000000000000000000" pitchFamily="2" charset="2"/>
               <a:buChar char="v"/>
             </a:pPr>
-            <a:r>
-              <a:rPr lang="en-US" sz="2400" dirty="0">
-                <a:latin typeface="Trebuchet MS" panose="020B0603020202020204" pitchFamily="34" charset="0"/>
-              </a:rPr>
-              <a:t>For Large Enterprises</a:t>
-            </a:r>
-          </a:p>
-          <a:p>
-            <a:pPr lvl="1">
-              <a:buFont typeface="Wingdings" panose="05000000000000000000" pitchFamily="2" charset="2"/>
-              <a:buChar char="v"/>
-            </a:pPr>
-            <a:r>
-              <a:rPr lang="en-US" sz="2400" dirty="0">
-                <a:latin typeface="Trebuchet MS" panose="020B0603020202020204" pitchFamily="34" charset="0"/>
-              </a:rPr>
-              <a:t>In-Person Marketing. </a:t>
-            </a:r>
-          </a:p>
-          <a:p>
-            <a:pPr lvl="1">
-              <a:buFont typeface="Wingdings" panose="05000000000000000000" pitchFamily="2" charset="2"/>
-              <a:buChar char="v"/>
-            </a:pPr>
             <a:endParaRPr lang="en-US" sz="2400" dirty="0">
               <a:latin typeface="Trebuchet MS" panose="020B0603020202020204" pitchFamily="34" charset="0"/>
             </a:endParaRPr>
@@ -5886,19 +5813,7 @@
               <a:rPr lang="en-US" sz="2400" dirty="0">
                 <a:latin typeface="Trebuchet MS" panose="020B0603020202020204" pitchFamily="34" charset="0"/>
               </a:rPr>
-              <a:t>For job portals</a:t>
-            </a:r>
-          </a:p>
-          <a:p>
-            <a:pPr lvl="1">
-              <a:buFont typeface="Wingdings" panose="05000000000000000000" pitchFamily="2" charset="2"/>
-              <a:buChar char="v"/>
-            </a:pPr>
-            <a:r>
-              <a:rPr lang="en-US" sz="2400" dirty="0">
-                <a:latin typeface="Trebuchet MS" panose="020B0603020202020204" pitchFamily="34" charset="0"/>
-              </a:rPr>
-              <a:t>In-Person Marketing. </a:t>
+              <a:t>Provides a great value-added-service to online job portals that just hold the profile information of a job seeker. </a:t>
             </a:r>
           </a:p>
           <a:p>
@@ -5913,14 +5828,6 @@
             <a:pPr marL="0" indent="0">
               <a:buNone/>
             </a:pPr>
-            <a:endParaRPr lang="en-US" sz="2400" dirty="0">
-              <a:latin typeface="Trebuchet MS" panose="020B0603020202020204" pitchFamily="34" charset="0"/>
-            </a:endParaRPr>
-          </a:p>
-          <a:p>
-            <a:pPr marL="0" indent="0">
-              <a:buNone/>
-            </a:pPr>
             <a:endParaRPr lang="en-US" sz="2800" dirty="0">
               <a:latin typeface="Trebuchet MS" panose="020B0603020202020204" pitchFamily="34" charset="0"/>
             </a:endParaRPr>
@@ -5930,7 +5837,7 @@
     </p:spTree>
     <p:extLst>
       <p:ext uri="{BB962C8B-B14F-4D97-AF65-F5344CB8AC3E}">
-        <p14:creationId xmlns:p14="http://schemas.microsoft.com/office/powerpoint/2010/main" val="1842678534"/>
+        <p14:creationId xmlns:p14="http://schemas.microsoft.com/office/powerpoint/2010/main" val="3163797255"/>
       </p:ext>
     </p:extLst>
   </p:cSld>
@@ -5990,7 +5897,7 @@
                 </a:solidFill>
                 <a:latin typeface="Trebuchet MS" panose="020B0603020202020204" pitchFamily="34" charset="0"/>
               </a:rPr>
-              <a:t>Management Team</a:t>
+              <a:t>Selling Strategy</a:t>
             </a:r>
           </a:p>
         </p:txBody>
@@ -6031,70 +5938,132 @@
               <a:rPr lang="en-US" sz="2400" dirty="0">
                 <a:latin typeface="Trebuchet MS" panose="020B0603020202020204" pitchFamily="34" charset="0"/>
               </a:rPr>
-              <a:t>Murali Mohan (Technology and Operations)</a:t>
-            </a:r>
-          </a:p>
-          <a:p>
-            <a:pPr lvl="1">
+              <a:t>For SMBs </a:t>
+            </a:r>
+          </a:p>
+          <a:p>
+            <a:pPr>
               <a:buFont typeface="Wingdings" panose="05000000000000000000" pitchFamily="2" charset="2"/>
-              <a:buChar char="ü"/>
-            </a:pPr>
-            <a:r>
-              <a:rPr lang="en-US" sz="2400" dirty="0">
-                <a:latin typeface="Trebuchet MS" panose="020B0603020202020204" pitchFamily="34" charset="0"/>
-              </a:rPr>
-              <a:t>12 years of software development experience.</a:t>
-            </a:r>
-          </a:p>
-          <a:p>
-            <a:pPr lvl="1">
-              <a:buFont typeface="Wingdings" panose="05000000000000000000" pitchFamily="2" charset="2"/>
-              <a:buChar char="ü"/>
-            </a:pPr>
-            <a:r>
-              <a:rPr lang="en-US" sz="2400" dirty="0">
-                <a:latin typeface="Trebuchet MS" panose="020B0603020202020204" pitchFamily="34" charset="0"/>
-              </a:rPr>
-              <a:t>4 years of operations and delivery experience. </a:t>
-            </a:r>
-          </a:p>
-          <a:p>
-            <a:pPr marL="530352" lvl="1" indent="0">
-              <a:buNone/>
+              <a:buChar char="v"/>
             </a:pPr>
             <a:endParaRPr lang="en-US" sz="2400" dirty="0">
               <a:latin typeface="Trebuchet MS" panose="020B0603020202020204" pitchFamily="34" charset="0"/>
             </a:endParaRPr>
           </a:p>
           <a:p>
-            <a:pPr marL="530352" lvl="1" indent="0">
-              <a:buNone/>
+            <a:pPr lvl="1">
+              <a:buFont typeface="Wingdings" panose="05000000000000000000" pitchFamily="2" charset="2"/>
+              <a:buChar char="v"/>
             </a:pPr>
             <a:r>
               <a:rPr lang="en-US" sz="2400" dirty="0">
                 <a:latin typeface="Trebuchet MS" panose="020B0603020202020204" pitchFamily="34" charset="0"/>
               </a:rPr>
-              <a:t>Product Owner TBD</a:t>
-            </a:r>
-          </a:p>
-          <a:p>
-            <a:pPr marL="530352" lvl="1" indent="0">
-              <a:buNone/>
+              <a:t>Digital Marketing. </a:t>
+            </a:r>
+          </a:p>
+          <a:p>
+            <a:pPr>
+              <a:buFont typeface="Wingdings" panose="05000000000000000000" pitchFamily="2" charset="2"/>
+              <a:buChar char="v"/>
             </a:pPr>
             <a:endParaRPr lang="en-US" sz="2400" dirty="0">
               <a:latin typeface="Trebuchet MS" panose="020B0603020202020204" pitchFamily="34" charset="0"/>
             </a:endParaRPr>
           </a:p>
           <a:p>
-            <a:pPr marL="530352" lvl="1" indent="0">
-              <a:buNone/>
+            <a:pPr lvl="1">
+              <a:buFont typeface="Wingdings" panose="05000000000000000000" pitchFamily="2" charset="2"/>
+              <a:buChar char="v"/>
             </a:pPr>
             <a:r>
               <a:rPr lang="en-US" sz="2400" dirty="0">
                 <a:latin typeface="Trebuchet MS" panose="020B0603020202020204" pitchFamily="34" charset="0"/>
               </a:rPr>
-              <a:t>Business Owner TBD	</a:t>
-            </a:r>
+              <a:t>Self-help mechanism in registering and choosing pricing-plans. </a:t>
+            </a:r>
+          </a:p>
+          <a:p>
+            <a:pPr lvl="1">
+              <a:buFont typeface="Wingdings" panose="05000000000000000000" pitchFamily="2" charset="2"/>
+              <a:buChar char="v"/>
+            </a:pPr>
+            <a:endParaRPr lang="en-US" sz="2400" dirty="0">
+              <a:latin typeface="Trebuchet MS" panose="020B0603020202020204" pitchFamily="34" charset="0"/>
+            </a:endParaRPr>
+          </a:p>
+          <a:p>
+            <a:pPr>
+              <a:buFont typeface="Wingdings" panose="05000000000000000000" pitchFamily="2" charset="2"/>
+              <a:buChar char="v"/>
+            </a:pPr>
+            <a:r>
+              <a:rPr lang="en-US" sz="2400" dirty="0">
+                <a:latin typeface="Trebuchet MS" panose="020B0603020202020204" pitchFamily="34" charset="0"/>
+              </a:rPr>
+              <a:t>For Large Enterprises</a:t>
+            </a:r>
+          </a:p>
+          <a:p>
+            <a:pPr lvl="1">
+              <a:buFont typeface="Wingdings" panose="05000000000000000000" pitchFamily="2" charset="2"/>
+              <a:buChar char="v"/>
+            </a:pPr>
+            <a:r>
+              <a:rPr lang="en-US" sz="2400" dirty="0">
+                <a:latin typeface="Trebuchet MS" panose="020B0603020202020204" pitchFamily="34" charset="0"/>
+              </a:rPr>
+              <a:t>Custom onboarding and pricing plans. </a:t>
+            </a:r>
+          </a:p>
+          <a:p>
+            <a:pPr lvl="1">
+              <a:buFont typeface="Wingdings" panose="05000000000000000000" pitchFamily="2" charset="2"/>
+              <a:buChar char="v"/>
+            </a:pPr>
+            <a:endParaRPr lang="en-US" sz="2400" dirty="0">
+              <a:latin typeface="Trebuchet MS" panose="020B0603020202020204" pitchFamily="34" charset="0"/>
+            </a:endParaRPr>
+          </a:p>
+          <a:p>
+            <a:pPr>
+              <a:buFont typeface="Wingdings" panose="05000000000000000000" pitchFamily="2" charset="2"/>
+              <a:buChar char="v"/>
+            </a:pPr>
+            <a:r>
+              <a:rPr lang="en-US" sz="2400" dirty="0">
+                <a:latin typeface="Trebuchet MS" panose="020B0603020202020204" pitchFamily="34" charset="0"/>
+              </a:rPr>
+              <a:t>For job portals</a:t>
+            </a:r>
+          </a:p>
+          <a:p>
+            <a:pPr lvl="1">
+              <a:buFont typeface="Wingdings" panose="05000000000000000000" pitchFamily="2" charset="2"/>
+              <a:buChar char="v"/>
+            </a:pPr>
+            <a:r>
+              <a:rPr lang="en-US" sz="2400" dirty="0">
+                <a:latin typeface="Trebuchet MS" panose="020B0603020202020204" pitchFamily="34" charset="0"/>
+              </a:rPr>
+              <a:t>Custom onboarding and pricing plans. </a:t>
+            </a:r>
+          </a:p>
+          <a:p>
+            <a:pPr marL="0" indent="0">
+              <a:buNone/>
+            </a:pPr>
+            <a:endParaRPr lang="en-US" sz="2400" dirty="0">
+              <a:latin typeface="Trebuchet MS" panose="020B0603020202020204" pitchFamily="34" charset="0"/>
+            </a:endParaRPr>
+          </a:p>
+          <a:p>
+            <a:pPr marL="0" indent="0">
+              <a:buNone/>
+            </a:pPr>
+            <a:endParaRPr lang="en-US" sz="2400" dirty="0">
+              <a:latin typeface="Trebuchet MS" panose="020B0603020202020204" pitchFamily="34" charset="0"/>
+            </a:endParaRPr>
           </a:p>
           <a:p>
             <a:pPr marL="0" indent="0">
@@ -6109,7 +6078,7 @@
     </p:spTree>
     <p:extLst>
       <p:ext uri="{BB962C8B-B14F-4D97-AF65-F5344CB8AC3E}">
-        <p14:creationId xmlns:p14="http://schemas.microsoft.com/office/powerpoint/2010/main" val="1623712661"/>
+        <p14:creationId xmlns:p14="http://schemas.microsoft.com/office/powerpoint/2010/main" val="2474366170"/>
       </p:ext>
     </p:extLst>
   </p:cSld>
@@ -6169,7 +6138,7 @@
                 </a:solidFill>
                 <a:latin typeface="Trebuchet MS" panose="020B0603020202020204" pitchFamily="34" charset="0"/>
               </a:rPr>
-              <a:t>Revenue Model</a:t>
+              <a:t>Customer Acquisition</a:t>
             </a:r>
           </a:p>
         </p:txBody>
@@ -6193,7 +6162,7 @@
         <p:spPr>
           <a:xfrm>
             <a:off x="1295400" y="1088572"/>
-            <a:ext cx="9601200" cy="3766457"/>
+            <a:ext cx="9601200" cy="4963885"/>
           </a:xfrm>
         </p:spPr>
         <p:txBody>
@@ -6210,7 +6179,7 @@
               <a:rPr lang="en-US" sz="2400" dirty="0">
                 <a:latin typeface="Trebuchet MS" panose="020B0603020202020204" pitchFamily="34" charset="0"/>
               </a:rPr>
-              <a:t>Software will be provided as a Service. Customers subscribe to our service and pay per use.</a:t>
+              <a:t>For SMBs </a:t>
             </a:r>
           </a:p>
           <a:p>
@@ -6222,7 +6191,27 @@
               <a:rPr lang="en-US" sz="2400" dirty="0">
                 <a:latin typeface="Trebuchet MS" panose="020B0603020202020204" pitchFamily="34" charset="0"/>
               </a:rPr>
-              <a:t>Standard pricing plans.</a:t>
+              <a:t>Digital Marketing &amp; In-Person Marketing. </a:t>
+            </a:r>
+          </a:p>
+          <a:p>
+            <a:pPr marL="530352" lvl="1" indent="0">
+              <a:buNone/>
+            </a:pPr>
+            <a:endParaRPr lang="en-US" sz="2400" dirty="0">
+              <a:latin typeface="Trebuchet MS" panose="020B0603020202020204" pitchFamily="34" charset="0"/>
+            </a:endParaRPr>
+          </a:p>
+          <a:p>
+            <a:pPr>
+              <a:buFont typeface="Wingdings" panose="05000000000000000000" pitchFamily="2" charset="2"/>
+              <a:buChar char="v"/>
+            </a:pPr>
+            <a:r>
+              <a:rPr lang="en-US" sz="2400" dirty="0">
+                <a:latin typeface="Trebuchet MS" panose="020B0603020202020204" pitchFamily="34" charset="0"/>
+              </a:rPr>
+              <a:t>For Large Enterprises</a:t>
             </a:r>
           </a:p>
           <a:p>
@@ -6234,8 +6223,57 @@
               <a:rPr lang="en-US" sz="2400" dirty="0">
                 <a:latin typeface="Trebuchet MS" panose="020B0603020202020204" pitchFamily="34" charset="0"/>
               </a:rPr>
-              <a:t>Customized pricing plans.</a:t>
-            </a:r>
+              <a:t>In-Person Marketing. </a:t>
+            </a:r>
+          </a:p>
+          <a:p>
+            <a:pPr lvl="1">
+              <a:buFont typeface="Wingdings" panose="05000000000000000000" pitchFamily="2" charset="2"/>
+              <a:buChar char="v"/>
+            </a:pPr>
+            <a:endParaRPr lang="en-US" sz="2400" dirty="0">
+              <a:latin typeface="Trebuchet MS" panose="020B0603020202020204" pitchFamily="34" charset="0"/>
+            </a:endParaRPr>
+          </a:p>
+          <a:p>
+            <a:pPr>
+              <a:buFont typeface="Wingdings" panose="05000000000000000000" pitchFamily="2" charset="2"/>
+              <a:buChar char="v"/>
+            </a:pPr>
+            <a:r>
+              <a:rPr lang="en-US" sz="2400" dirty="0">
+                <a:latin typeface="Trebuchet MS" panose="020B0603020202020204" pitchFamily="34" charset="0"/>
+              </a:rPr>
+              <a:t>For job portals</a:t>
+            </a:r>
+          </a:p>
+          <a:p>
+            <a:pPr lvl="1">
+              <a:buFont typeface="Wingdings" panose="05000000000000000000" pitchFamily="2" charset="2"/>
+              <a:buChar char="v"/>
+            </a:pPr>
+            <a:r>
+              <a:rPr lang="en-US" sz="2400" dirty="0">
+                <a:latin typeface="Trebuchet MS" panose="020B0603020202020204" pitchFamily="34" charset="0"/>
+              </a:rPr>
+              <a:t>In-Person Marketing. </a:t>
+            </a:r>
+          </a:p>
+          <a:p>
+            <a:pPr marL="0" indent="0">
+              <a:buNone/>
+            </a:pPr>
+            <a:endParaRPr lang="en-US" sz="2400" dirty="0">
+              <a:latin typeface="Trebuchet MS" panose="020B0603020202020204" pitchFamily="34" charset="0"/>
+            </a:endParaRPr>
+          </a:p>
+          <a:p>
+            <a:pPr marL="0" indent="0">
+              <a:buNone/>
+            </a:pPr>
+            <a:endParaRPr lang="en-US" sz="2400" dirty="0">
+              <a:latin typeface="Trebuchet MS" panose="020B0603020202020204" pitchFamily="34" charset="0"/>
+            </a:endParaRPr>
           </a:p>
           <a:p>
             <a:pPr marL="0" indent="0">
@@ -6250,7 +6288,7 @@
     </p:spTree>
     <p:extLst>
       <p:ext uri="{BB962C8B-B14F-4D97-AF65-F5344CB8AC3E}">
-        <p14:creationId xmlns:p14="http://schemas.microsoft.com/office/powerpoint/2010/main" val="3322036955"/>
+        <p14:creationId xmlns:p14="http://schemas.microsoft.com/office/powerpoint/2010/main" val="1842678534"/>
       </p:ext>
     </p:extLst>
   </p:cSld>
@@ -6310,7 +6348,7 @@
                 </a:solidFill>
                 <a:latin typeface="Trebuchet MS" panose="020B0603020202020204" pitchFamily="34" charset="0"/>
               </a:rPr>
-              <a:t>Competition</a:t>
+              <a:t>Management Team</a:t>
             </a:r>
           </a:p>
         </p:txBody>
@@ -6334,7 +6372,7 @@
         <p:spPr>
           <a:xfrm>
             <a:off x="1295400" y="1088572"/>
-            <a:ext cx="9601200" cy="3766457"/>
+            <a:ext cx="9601200" cy="5889172"/>
           </a:xfrm>
         </p:spPr>
         <p:txBody>
@@ -6351,28 +6389,69 @@
               <a:rPr lang="en-US" sz="2400" dirty="0">
                 <a:latin typeface="Trebuchet MS" panose="020B0603020202020204" pitchFamily="34" charset="0"/>
               </a:rPr>
-              <a:t>BambooHR.com – Has good UI, but lacks the ability to clone interview process workflow and setting up interview evaluation criteria.  </a:t>
-            </a:r>
-          </a:p>
-          <a:p>
-            <a:pPr>
+              <a:t>Murali Mohan (Technology and Operations)</a:t>
+            </a:r>
+          </a:p>
+          <a:p>
+            <a:pPr lvl="1">
               <a:buFont typeface="Wingdings" panose="05000000000000000000" pitchFamily="2" charset="2"/>
-              <a:buChar char="v"/>
+              <a:buChar char="ü"/>
+            </a:pPr>
+            <a:r>
+              <a:rPr lang="en-US" sz="2400" dirty="0">
+                <a:latin typeface="Trebuchet MS" panose="020B0603020202020204" pitchFamily="34" charset="0"/>
+              </a:rPr>
+              <a:t>12 years of software development experience.</a:t>
+            </a:r>
+          </a:p>
+          <a:p>
+            <a:pPr lvl="1">
+              <a:buFont typeface="Wingdings" panose="05000000000000000000" pitchFamily="2" charset="2"/>
+              <a:buChar char="ü"/>
+            </a:pPr>
+            <a:r>
+              <a:rPr lang="en-US" sz="2400" dirty="0">
+                <a:latin typeface="Trebuchet MS" panose="020B0603020202020204" pitchFamily="34" charset="0"/>
+              </a:rPr>
+              <a:t>4 years of operations and delivery experience. </a:t>
+            </a:r>
+          </a:p>
+          <a:p>
+            <a:pPr marL="530352" lvl="1" indent="0">
+              <a:buNone/>
             </a:pPr>
             <a:endParaRPr lang="en-US" sz="2400" dirty="0">
               <a:latin typeface="Trebuchet MS" panose="020B0603020202020204" pitchFamily="34" charset="0"/>
             </a:endParaRPr>
           </a:p>
           <a:p>
-            <a:pPr>
-              <a:buFont typeface="Wingdings" panose="05000000000000000000" pitchFamily="2" charset="2"/>
-              <a:buChar char="v"/>
+            <a:pPr marL="530352" lvl="1" indent="0">
+              <a:buNone/>
             </a:pPr>
             <a:r>
               <a:rPr lang="en-US" sz="2400" dirty="0">
                 <a:latin typeface="Trebuchet MS" panose="020B0603020202020204" pitchFamily="34" charset="0"/>
               </a:rPr>
-              <a:t>Zoho.com – Workflows are basic and cannot handle complex requirements.</a:t>
+              <a:t>Product Owner TBD</a:t>
+            </a:r>
+          </a:p>
+          <a:p>
+            <a:pPr marL="530352" lvl="1" indent="0">
+              <a:buNone/>
+            </a:pPr>
+            <a:endParaRPr lang="en-US" sz="2400" dirty="0">
+              <a:latin typeface="Trebuchet MS" panose="020B0603020202020204" pitchFamily="34" charset="0"/>
+            </a:endParaRPr>
+          </a:p>
+          <a:p>
+            <a:pPr marL="530352" lvl="1" indent="0">
+              <a:buNone/>
+            </a:pPr>
+            <a:r>
+              <a:rPr lang="en-US" sz="2400" dirty="0">
+                <a:latin typeface="Trebuchet MS" panose="020B0603020202020204" pitchFamily="34" charset="0"/>
+              </a:rPr>
+              <a:t>Business Owner TBD	</a:t>
             </a:r>
           </a:p>
           <a:p>
@@ -6388,7 +6467,7 @@
     </p:spTree>
     <p:extLst>
       <p:ext uri="{BB962C8B-B14F-4D97-AF65-F5344CB8AC3E}">
-        <p14:creationId xmlns:p14="http://schemas.microsoft.com/office/powerpoint/2010/main" val="898938790"/>
+        <p14:creationId xmlns:p14="http://schemas.microsoft.com/office/powerpoint/2010/main" val="1623712661"/>
       </p:ext>
     </p:extLst>
   </p:cSld>
@@ -6448,6 +6527,285 @@
                 </a:solidFill>
                 <a:latin typeface="Trebuchet MS" panose="020B0603020202020204" pitchFamily="34" charset="0"/>
               </a:rPr>
+              <a:t>Revenue Model</a:t>
+            </a:r>
+          </a:p>
+        </p:txBody>
+      </p:sp>
+      <p:sp>
+        <p:nvSpPr>
+          <p:cNvPr id="3" name="Content Placeholder 2">
+            <a:extLst>
+              <a:ext uri="{FF2B5EF4-FFF2-40B4-BE49-F238E27FC236}">
+                <a16:creationId xmlns:a16="http://schemas.microsoft.com/office/drawing/2014/main" id="{C0E9E546-25A2-4718-B14C-53C83988B005}"/>
+              </a:ext>
+            </a:extLst>
+          </p:cNvPr>
+          <p:cNvSpPr>
+            <a:spLocks noGrp="1"/>
+          </p:cNvSpPr>
+          <p:nvPr>
+            <p:ph idx="1"/>
+          </p:nvPr>
+        </p:nvSpPr>
+        <p:spPr>
+          <a:xfrm>
+            <a:off x="1295400" y="1088572"/>
+            <a:ext cx="9601200" cy="3766457"/>
+          </a:xfrm>
+        </p:spPr>
+        <p:txBody>
+          <a:bodyPr>
+            <a:noAutofit/>
+          </a:bodyPr>
+          <a:lstStyle/>
+          <a:p>
+            <a:pPr>
+              <a:buFont typeface="Wingdings" panose="05000000000000000000" pitchFamily="2" charset="2"/>
+              <a:buChar char="v"/>
+            </a:pPr>
+            <a:r>
+              <a:rPr lang="en-US" sz="2400" dirty="0">
+                <a:latin typeface="Trebuchet MS" panose="020B0603020202020204" pitchFamily="34" charset="0"/>
+              </a:rPr>
+              <a:t>Software will be provided as a Service. Customers subscribe to our service and pay per use.</a:t>
+            </a:r>
+          </a:p>
+          <a:p>
+            <a:pPr lvl="1">
+              <a:buFont typeface="Wingdings" panose="05000000000000000000" pitchFamily="2" charset="2"/>
+              <a:buChar char="v"/>
+            </a:pPr>
+            <a:r>
+              <a:rPr lang="en-US" sz="2400" dirty="0">
+                <a:latin typeface="Trebuchet MS" panose="020B0603020202020204" pitchFamily="34" charset="0"/>
+              </a:rPr>
+              <a:t>Standard pricing plans.</a:t>
+            </a:r>
+          </a:p>
+          <a:p>
+            <a:pPr lvl="1">
+              <a:buFont typeface="Wingdings" panose="05000000000000000000" pitchFamily="2" charset="2"/>
+              <a:buChar char="v"/>
+            </a:pPr>
+            <a:r>
+              <a:rPr lang="en-US" sz="2400" dirty="0">
+                <a:latin typeface="Trebuchet MS" panose="020B0603020202020204" pitchFamily="34" charset="0"/>
+              </a:rPr>
+              <a:t>Customized pricing plans.</a:t>
+            </a:r>
+          </a:p>
+          <a:p>
+            <a:pPr marL="0" indent="0">
+              <a:buNone/>
+            </a:pPr>
+            <a:endParaRPr lang="en-US" sz="2800" dirty="0">
+              <a:latin typeface="Trebuchet MS" panose="020B0603020202020204" pitchFamily="34" charset="0"/>
+            </a:endParaRPr>
+          </a:p>
+        </p:txBody>
+      </p:sp>
+    </p:spTree>
+    <p:extLst>
+      <p:ext uri="{BB962C8B-B14F-4D97-AF65-F5344CB8AC3E}">
+        <p14:creationId xmlns:p14="http://schemas.microsoft.com/office/powerpoint/2010/main" val="3322036955"/>
+      </p:ext>
+    </p:extLst>
+  </p:cSld>
+  <p:clrMapOvr>
+    <a:masterClrMapping/>
+  </p:clrMapOvr>
+</p:sld>
+</file>
+
+<file path=ppt/slides/slide16.xml><?xml version="1.0" encoding="utf-8"?>
+<p:sld xmlns:a="http://schemas.openxmlformats.org/drawingml/2006/main" xmlns:r="http://schemas.openxmlformats.org/officeDocument/2006/relationships" xmlns:p="http://schemas.openxmlformats.org/presentationml/2006/main">
+  <p:cSld>
+    <p:spTree>
+      <p:nvGrpSpPr>
+        <p:cNvPr id="1" name=""/>
+        <p:cNvGrpSpPr/>
+        <p:nvPr/>
+      </p:nvGrpSpPr>
+      <p:grpSpPr>
+        <a:xfrm>
+          <a:off x="0" y="0"/>
+          <a:ext cx="0" cy="0"/>
+          <a:chOff x="0" y="0"/>
+          <a:chExt cx="0" cy="0"/>
+        </a:xfrm>
+      </p:grpSpPr>
+      <p:sp>
+        <p:nvSpPr>
+          <p:cNvPr id="2" name="Title 1">
+            <a:extLst>
+              <a:ext uri="{FF2B5EF4-FFF2-40B4-BE49-F238E27FC236}">
+                <a16:creationId xmlns:a16="http://schemas.microsoft.com/office/drawing/2014/main" id="{FD83D9AA-44DE-454A-B858-1F28A2AE069F}"/>
+              </a:ext>
+            </a:extLst>
+          </p:cNvPr>
+          <p:cNvSpPr>
+            <a:spLocks noGrp="1"/>
+          </p:cNvSpPr>
+          <p:nvPr>
+            <p:ph type="title"/>
+          </p:nvPr>
+        </p:nvSpPr>
+        <p:spPr>
+          <a:xfrm>
+            <a:off x="1295400" y="217715"/>
+            <a:ext cx="9601200" cy="870857"/>
+          </a:xfrm>
+        </p:spPr>
+        <p:txBody>
+          <a:bodyPr/>
+          <a:lstStyle/>
+          <a:p>
+            <a:r>
+              <a:rPr lang="en-US" dirty="0">
+                <a:solidFill>
+                  <a:srgbClr val="C00000"/>
+                </a:solidFill>
+                <a:latin typeface="Trebuchet MS" panose="020B0603020202020204" pitchFamily="34" charset="0"/>
+              </a:rPr>
+              <a:t>Competition</a:t>
+            </a:r>
+          </a:p>
+        </p:txBody>
+      </p:sp>
+      <p:sp>
+        <p:nvSpPr>
+          <p:cNvPr id="3" name="Content Placeholder 2">
+            <a:extLst>
+              <a:ext uri="{FF2B5EF4-FFF2-40B4-BE49-F238E27FC236}">
+                <a16:creationId xmlns:a16="http://schemas.microsoft.com/office/drawing/2014/main" id="{C0E9E546-25A2-4718-B14C-53C83988B005}"/>
+              </a:ext>
+            </a:extLst>
+          </p:cNvPr>
+          <p:cNvSpPr>
+            <a:spLocks noGrp="1"/>
+          </p:cNvSpPr>
+          <p:nvPr>
+            <p:ph idx="1"/>
+          </p:nvPr>
+        </p:nvSpPr>
+        <p:spPr>
+          <a:xfrm>
+            <a:off x="1295400" y="1088572"/>
+            <a:ext cx="9601200" cy="3766457"/>
+          </a:xfrm>
+        </p:spPr>
+        <p:txBody>
+          <a:bodyPr>
+            <a:noAutofit/>
+          </a:bodyPr>
+          <a:lstStyle/>
+          <a:p>
+            <a:pPr>
+              <a:buFont typeface="Wingdings" panose="05000000000000000000" pitchFamily="2" charset="2"/>
+              <a:buChar char="v"/>
+            </a:pPr>
+            <a:r>
+              <a:rPr lang="en-US" sz="2400" dirty="0">
+                <a:latin typeface="Trebuchet MS" panose="020B0603020202020204" pitchFamily="34" charset="0"/>
+              </a:rPr>
+              <a:t>BambooHR.com – Has good UI, but lacks the ability to clone interview process workflow and setting up interview evaluation criteria.  </a:t>
+            </a:r>
+          </a:p>
+          <a:p>
+            <a:pPr>
+              <a:buFont typeface="Wingdings" panose="05000000000000000000" pitchFamily="2" charset="2"/>
+              <a:buChar char="v"/>
+            </a:pPr>
+            <a:endParaRPr lang="en-US" sz="2400" dirty="0">
+              <a:latin typeface="Trebuchet MS" panose="020B0603020202020204" pitchFamily="34" charset="0"/>
+            </a:endParaRPr>
+          </a:p>
+          <a:p>
+            <a:pPr>
+              <a:buFont typeface="Wingdings" panose="05000000000000000000" pitchFamily="2" charset="2"/>
+              <a:buChar char="v"/>
+            </a:pPr>
+            <a:r>
+              <a:rPr lang="en-US" sz="2400" dirty="0">
+                <a:latin typeface="Trebuchet MS" panose="020B0603020202020204" pitchFamily="34" charset="0"/>
+              </a:rPr>
+              <a:t>Zoho.com – Workflows are basic and cannot handle complex requirements.</a:t>
+            </a:r>
+          </a:p>
+          <a:p>
+            <a:pPr marL="0" indent="0">
+              <a:buNone/>
+            </a:pPr>
+            <a:endParaRPr lang="en-US" sz="2800" dirty="0">
+              <a:latin typeface="Trebuchet MS" panose="020B0603020202020204" pitchFamily="34" charset="0"/>
+            </a:endParaRPr>
+          </a:p>
+        </p:txBody>
+      </p:sp>
+    </p:spTree>
+    <p:extLst>
+      <p:ext uri="{BB962C8B-B14F-4D97-AF65-F5344CB8AC3E}">
+        <p14:creationId xmlns:p14="http://schemas.microsoft.com/office/powerpoint/2010/main" val="898938790"/>
+      </p:ext>
+    </p:extLst>
+  </p:cSld>
+  <p:clrMapOvr>
+    <a:masterClrMapping/>
+  </p:clrMapOvr>
+</p:sld>
+</file>
+
+<file path=ppt/slides/slide17.xml><?xml version="1.0" encoding="utf-8"?>
+<p:sld xmlns:a="http://schemas.openxmlformats.org/drawingml/2006/main" xmlns:r="http://schemas.openxmlformats.org/officeDocument/2006/relationships" xmlns:p="http://schemas.openxmlformats.org/presentationml/2006/main">
+  <p:cSld>
+    <p:spTree>
+      <p:nvGrpSpPr>
+        <p:cNvPr id="1" name=""/>
+        <p:cNvGrpSpPr/>
+        <p:nvPr/>
+      </p:nvGrpSpPr>
+      <p:grpSpPr>
+        <a:xfrm>
+          <a:off x="0" y="0"/>
+          <a:ext cx="0" cy="0"/>
+          <a:chOff x="0" y="0"/>
+          <a:chExt cx="0" cy="0"/>
+        </a:xfrm>
+      </p:grpSpPr>
+      <p:sp>
+        <p:nvSpPr>
+          <p:cNvPr id="2" name="Title 1">
+            <a:extLst>
+              <a:ext uri="{FF2B5EF4-FFF2-40B4-BE49-F238E27FC236}">
+                <a16:creationId xmlns:a16="http://schemas.microsoft.com/office/drawing/2014/main" id="{FD83D9AA-44DE-454A-B858-1F28A2AE069F}"/>
+              </a:ext>
+            </a:extLst>
+          </p:cNvPr>
+          <p:cNvSpPr>
+            <a:spLocks noGrp="1"/>
+          </p:cNvSpPr>
+          <p:nvPr>
+            <p:ph type="title"/>
+          </p:nvPr>
+        </p:nvSpPr>
+        <p:spPr>
+          <a:xfrm>
+            <a:off x="1295400" y="217715"/>
+            <a:ext cx="9601200" cy="870857"/>
+          </a:xfrm>
+        </p:spPr>
+        <p:txBody>
+          <a:bodyPr/>
+          <a:lstStyle/>
+          <a:p>
+            <a:r>
+              <a:rPr lang="en-US" dirty="0">
+                <a:solidFill>
+                  <a:srgbClr val="C00000"/>
+                </a:solidFill>
+                <a:latin typeface="Trebuchet MS" panose="020B0603020202020204" pitchFamily="34" charset="0"/>
+              </a:rPr>
               <a:t>Status(Technology)</a:t>
             </a:r>
           </a:p>
@@ -6557,7 +6915,7 @@
 </p:sld>
 </file>
 
-<file path=ppt/slides/slide16.xml><?xml version="1.0" encoding="utf-8"?>
+<file path=ppt/slides/slide18.xml><?xml version="1.0" encoding="utf-8"?>
 <p:sld xmlns:a="http://schemas.openxmlformats.org/drawingml/2006/main" xmlns:r="http://schemas.openxmlformats.org/officeDocument/2006/relationships" xmlns:p="http://schemas.openxmlformats.org/presentationml/2006/main">
   <p:cSld>
     <p:spTree>
@@ -6757,7 +7115,7 @@
                 </a:solidFill>
                 <a:latin typeface="Trebuchet MS" panose="020B0603020202020204" pitchFamily="34" charset="0"/>
               </a:rPr>
-              <a:t>Mission Statement</a:t>
+              <a:t>Problem Statement</a:t>
             </a:r>
           </a:p>
         </p:txBody>
@@ -6797,7 +7155,7 @@
               <a:rPr lang="en-US" sz="2400" dirty="0">
                 <a:latin typeface="Trebuchet MS" panose="020B0603020202020204" pitchFamily="34" charset="0"/>
               </a:rPr>
-              <a:t>Address critical gaps in the hiring process workflows and provide a one-stop solution by:</a:t>
+              <a:t>Recruitment is a complex and multifaceted problem. Our vision is to comprehensively address the issue and provide a one-stop solution by: </a:t>
             </a:r>
           </a:p>
           <a:p>
@@ -6814,11 +7172,80 @@
               <a:buFont typeface="+mj-lt"/>
               <a:buAutoNum type="arabicPeriod"/>
             </a:pPr>
+            <a:endParaRPr lang="en-US" sz="2400" dirty="0">
+              <a:latin typeface="Trebuchet MS" panose="020B0603020202020204" pitchFamily="34" charset="0"/>
+            </a:endParaRPr>
+          </a:p>
+          <a:p>
+            <a:pPr marL="457200" indent="-457200">
+              <a:buFont typeface="+mj-lt"/>
+              <a:buAutoNum type="arabicPeriod"/>
+            </a:pPr>
+            <a:endParaRPr lang="en-US" sz="2400" dirty="0">
+              <a:latin typeface="Trebuchet MS" panose="020B0603020202020204" pitchFamily="34" charset="0"/>
+            </a:endParaRPr>
+          </a:p>
+          <a:p>
+            <a:pPr marL="457200" indent="-457200">
+              <a:buFont typeface="+mj-lt"/>
+              <a:buAutoNum type="arabicPeriod"/>
+            </a:pPr>
+            <a:endParaRPr lang="en-US" sz="2400" dirty="0">
+              <a:latin typeface="Trebuchet MS" panose="020B0603020202020204" pitchFamily="34" charset="0"/>
+            </a:endParaRPr>
+          </a:p>
+          <a:p>
+            <a:pPr marL="457200" indent="-457200">
+              <a:buFont typeface="+mj-lt"/>
+              <a:buAutoNum type="arabicPeriod"/>
+            </a:pPr>
             <a:r>
               <a:rPr lang="en-US" sz="2400" dirty="0">
                 <a:latin typeface="Trebuchet MS" panose="020B0603020202020204" pitchFamily="34" charset="0"/>
               </a:rPr>
-              <a:t>Automating the scheduling of interview rounds,</a:t>
+              <a:t>Bringing job-seekers and recruiters on to a common platform.</a:t>
+            </a:r>
+          </a:p>
+          <a:p>
+            <a:pPr marL="457200" indent="-457200">
+              <a:buFont typeface="+mj-lt"/>
+              <a:buAutoNum type="arabicPeriod"/>
+            </a:pPr>
+            <a:endParaRPr lang="en-US" sz="2400" dirty="0">
+              <a:latin typeface="Trebuchet MS" panose="020B0603020202020204" pitchFamily="34" charset="0"/>
+            </a:endParaRPr>
+          </a:p>
+          <a:p>
+            <a:pPr marL="457200" indent="-457200">
+              <a:buFont typeface="+mj-lt"/>
+              <a:buAutoNum type="arabicPeriod"/>
+            </a:pPr>
+            <a:r>
+              <a:rPr lang="en-US" sz="2400" dirty="0">
+                <a:latin typeface="Trebuchet MS" panose="020B0603020202020204" pitchFamily="34" charset="0"/>
+              </a:rPr>
+              <a:t>Use AI techniques to classify applicants’ resumes to match to opens positions and aid in the shortlisting process.</a:t>
+            </a:r>
+          </a:p>
+          <a:p>
+            <a:pPr marL="457200" indent="-457200">
+              <a:buFont typeface="+mj-lt"/>
+              <a:buAutoNum type="arabicPeriod"/>
+            </a:pPr>
+            <a:endParaRPr lang="en-US" sz="2400" dirty="0">
+              <a:latin typeface="Trebuchet MS" panose="020B0603020202020204" pitchFamily="34" charset="0"/>
+            </a:endParaRPr>
+          </a:p>
+          <a:p>
+            <a:pPr marL="457200" indent="-457200">
+              <a:buFont typeface="+mj-lt"/>
+              <a:buAutoNum type="arabicPeriod"/>
+            </a:pPr>
+            <a:r>
+              <a:rPr lang="en-US" sz="2400" dirty="0">
+                <a:latin typeface="Trebuchet MS" panose="020B0603020202020204" pitchFamily="34" charset="0"/>
+              </a:rPr>
+              <a:t>Automating the scheduling of interview rounds and predict the possibility of hiring after each round.</a:t>
             </a:r>
           </a:p>
           <a:p>
@@ -6913,8 +7340,8 @@
         </p:nvSpPr>
         <p:spPr>
           <a:xfrm>
-            <a:off x="1295400" y="217715"/>
-            <a:ext cx="9601200" cy="870857"/>
+            <a:off x="1469572" y="273504"/>
+            <a:ext cx="9601200" cy="1004207"/>
           </a:xfrm>
         </p:spPr>
         <p:txBody>
@@ -6928,7 +7355,7 @@
                 </a:solidFill>
                 <a:latin typeface="Trebuchet MS" panose="020B0603020202020204" pitchFamily="34" charset="0"/>
               </a:rPr>
-              <a:t>Market Opportunities</a:t>
+              <a:t>Problem Statement</a:t>
             </a:r>
           </a:p>
         </p:txBody>
@@ -6951,8 +7378,8 @@
         </p:nvSpPr>
         <p:spPr>
           <a:xfrm>
-            <a:off x="1295400" y="1273628"/>
-            <a:ext cx="9601200" cy="5159829"/>
+            <a:off x="1469572" y="1113064"/>
+            <a:ext cx="5279571" cy="5471431"/>
           </a:xfrm>
         </p:spPr>
         <p:txBody>
@@ -6961,91 +7388,179 @@
           </a:bodyPr>
           <a:lstStyle/>
           <a:p>
+            <a:pPr marL="0" indent="0">
+              <a:buNone/>
+            </a:pPr>
+            <a:r>
+              <a:rPr lang="en-US" dirty="0">
+                <a:latin typeface="Trebuchet MS" panose="020B0603020202020204" pitchFamily="34" charset="0"/>
+              </a:rPr>
+              <a:t>Hiring is a complex process where recruiters routinely deal with complex problems in the following disparate areas.</a:t>
+            </a:r>
+          </a:p>
+          <a:p>
             <a:pPr>
               <a:buFont typeface="Wingdings" panose="05000000000000000000" pitchFamily="2" charset="2"/>
-              <a:buChar char="v"/>
-            </a:pPr>
-            <a:r>
-              <a:rPr lang="en-US" sz="2400" dirty="0">
-                <a:latin typeface="Trebuchet MS" panose="020B0603020202020204" pitchFamily="34" charset="0"/>
-              </a:rPr>
-              <a:t>Most hiring solutions in the market are job portals that hold resumes of candidates and enable recruiters to search for resumes based on keywords.</a:t>
+              <a:buChar char="Ø"/>
+            </a:pPr>
+            <a:r>
+              <a:rPr lang="en-US" dirty="0">
+                <a:latin typeface="Trebuchet MS" panose="020B0603020202020204" pitchFamily="34" charset="0"/>
+              </a:rPr>
+              <a:t>Requisitioning</a:t>
             </a:r>
           </a:p>
           <a:p>
             <a:pPr>
               <a:buFont typeface="Wingdings" panose="05000000000000000000" pitchFamily="2" charset="2"/>
-              <a:buChar char="v"/>
-            </a:pPr>
-            <a:endParaRPr lang="en-US" sz="2400" dirty="0">
+              <a:buChar char="Ø"/>
+            </a:pPr>
+            <a:r>
+              <a:rPr lang="en-US" dirty="0">
+                <a:latin typeface="Trebuchet MS" panose="020B0603020202020204" pitchFamily="34" charset="0"/>
+              </a:rPr>
+              <a:t>Sourcing</a:t>
+            </a:r>
+          </a:p>
+          <a:p>
+            <a:pPr>
+              <a:buFont typeface="Wingdings" panose="05000000000000000000" pitchFamily="2" charset="2"/>
+              <a:buChar char="Ø"/>
+            </a:pPr>
+            <a:r>
+              <a:rPr lang="en-US" dirty="0">
+                <a:latin typeface="Trebuchet MS" panose="020B0603020202020204" pitchFamily="34" charset="0"/>
+              </a:rPr>
+              <a:t>Shortlisting   </a:t>
+            </a:r>
+          </a:p>
+          <a:p>
+            <a:pPr>
+              <a:buFont typeface="Wingdings" panose="05000000000000000000" pitchFamily="2" charset="2"/>
+              <a:buChar char="Ø"/>
+            </a:pPr>
+            <a:r>
+              <a:rPr lang="en-US" dirty="0">
+                <a:latin typeface="Trebuchet MS" panose="020B0603020202020204" pitchFamily="34" charset="0"/>
+              </a:rPr>
+              <a:t>Scheduling</a:t>
+            </a:r>
+          </a:p>
+          <a:p>
+            <a:pPr>
+              <a:buFont typeface="Wingdings" panose="05000000000000000000" pitchFamily="2" charset="2"/>
+              <a:buChar char="Ø"/>
+            </a:pPr>
+            <a:r>
+              <a:rPr lang="en-US" dirty="0">
+                <a:latin typeface="Trebuchet MS" panose="020B0603020202020204" pitchFamily="34" charset="0"/>
+              </a:rPr>
+              <a:t>Onboarding</a:t>
+            </a:r>
+          </a:p>
+          <a:p>
+            <a:pPr>
+              <a:buFont typeface="Wingdings" panose="05000000000000000000" pitchFamily="2" charset="2"/>
+              <a:buChar char="Ø"/>
+            </a:pPr>
+            <a:r>
+              <a:rPr lang="en-US" dirty="0">
+                <a:latin typeface="Trebuchet MS" panose="020B0603020202020204" pitchFamily="34" charset="0"/>
+              </a:rPr>
+              <a:t>Reporting</a:t>
+            </a:r>
+          </a:p>
+          <a:p>
+            <a:pPr>
+              <a:buFont typeface="Wingdings" panose="05000000000000000000" pitchFamily="2" charset="2"/>
+              <a:buChar char="Ø"/>
+            </a:pPr>
+            <a:r>
+              <a:rPr lang="en-US" dirty="0">
+                <a:latin typeface="Trebuchet MS" panose="020B0603020202020204" pitchFamily="34" charset="0"/>
+              </a:rPr>
+              <a:t>Communication</a:t>
+            </a:r>
+          </a:p>
+          <a:p>
+            <a:pPr marL="0" indent="0">
+              <a:buNone/>
+            </a:pPr>
+            <a:endParaRPr lang="en-US" dirty="0">
               <a:latin typeface="Trebuchet MS" panose="020B0603020202020204" pitchFamily="34" charset="0"/>
             </a:endParaRPr>
           </a:p>
           <a:p>
-            <a:pPr>
-              <a:buFont typeface="Wingdings" panose="05000000000000000000" pitchFamily="2" charset="2"/>
-              <a:buChar char="v"/>
-            </a:pPr>
-            <a:r>
-              <a:rPr lang="en-US" sz="2400" dirty="0">
-                <a:latin typeface="Trebuchet MS" panose="020B0603020202020204" pitchFamily="34" charset="0"/>
-              </a:rPr>
-              <a:t>For shortlisted resumes, few solutions have capabilities to comprehensively and flexibly handle the hiring-process workflow from setting up the panel to creating interview rounds to releasing the offer.</a:t>
-            </a:r>
-          </a:p>
-          <a:p>
-            <a:pPr>
-              <a:buFont typeface="Wingdings" panose="05000000000000000000" pitchFamily="2" charset="2"/>
-              <a:buChar char="v"/>
-            </a:pPr>
-            <a:endParaRPr lang="en-US" sz="2400" dirty="0">
+            <a:pPr marL="0" indent="0">
+              <a:buNone/>
+            </a:pPr>
+            <a:r>
+              <a:rPr lang="en-US" dirty="0">
+                <a:latin typeface="Trebuchet MS" panose="020B0603020202020204" pitchFamily="34" charset="0"/>
+              </a:rPr>
+              <a:t>Vision: We intend to solve this problem by creating an ecosystem of virtual assistants that eliminate toil from the hiring process. </a:t>
+            </a:r>
+          </a:p>
+          <a:p>
+            <a:pPr marL="457200" indent="-457200">
+              <a:buFont typeface="+mj-lt"/>
+              <a:buAutoNum type="arabicPeriod"/>
+            </a:pPr>
+            <a:endParaRPr lang="en-US" dirty="0">
               <a:latin typeface="Trebuchet MS" panose="020B0603020202020204" pitchFamily="34" charset="0"/>
             </a:endParaRPr>
           </a:p>
           <a:p>
-            <a:pPr>
-              <a:buFont typeface="Wingdings" panose="05000000000000000000" pitchFamily="2" charset="2"/>
-              <a:buChar char="v"/>
-            </a:pPr>
-            <a:r>
-              <a:rPr lang="en-US" sz="2400" dirty="0">
-                <a:latin typeface="Trebuchet MS" panose="020B0603020202020204" pitchFamily="34" charset="0"/>
-              </a:rPr>
-              <a:t>A very large segment of recruiters and hiring managers follow manual processes and use basic tools like spreadsheets to carry out the hiring process.</a:t>
-            </a:r>
-          </a:p>
-          <a:p>
-            <a:pPr>
-              <a:buFont typeface="Wingdings" panose="05000000000000000000" pitchFamily="2" charset="2"/>
-              <a:buChar char="v"/>
-            </a:pPr>
-            <a:endParaRPr lang="en-US" sz="2400" dirty="0">
+            <a:pPr marL="457200" indent="-457200">
+              <a:buFont typeface="+mj-lt"/>
+              <a:buAutoNum type="arabicPeriod"/>
+            </a:pPr>
+            <a:endParaRPr lang="en-US" dirty="0">
               <a:latin typeface="Trebuchet MS" panose="020B0603020202020204" pitchFamily="34" charset="0"/>
             </a:endParaRPr>
           </a:p>
-          <a:p>
-            <a:pPr>
-              <a:buFont typeface="Wingdings" panose="05000000000000000000" pitchFamily="2" charset="2"/>
-              <a:buChar char="v"/>
-            </a:pPr>
-            <a:endParaRPr lang="en-US" sz="2400" dirty="0">
-              <a:latin typeface="Trebuchet MS" panose="020B0603020202020204" pitchFamily="34" charset="0"/>
-            </a:endParaRPr>
-          </a:p>
-          <a:p>
-            <a:pPr marL="0" indent="0">
-              <a:buNone/>
-            </a:pPr>
-            <a:endParaRPr lang="en-US" sz="2800" dirty="0">
-              <a:latin typeface="Trebuchet MS" panose="020B0603020202020204" pitchFamily="34" charset="0"/>
-            </a:endParaRPr>
-          </a:p>
-        </p:txBody>
-      </p:sp>
+        </p:txBody>
+      </p:sp>
+      <p:pic>
+        <p:nvPicPr>
+          <p:cNvPr id="7" name="Picture 6">
+            <a:extLst>
+              <a:ext uri="{FF2B5EF4-FFF2-40B4-BE49-F238E27FC236}">
+                <a16:creationId xmlns:a16="http://schemas.microsoft.com/office/drawing/2014/main" id="{3B235E76-996D-4326-B747-4D49B32FE4F6}"/>
+              </a:ext>
+            </a:extLst>
+          </p:cNvPr>
+          <p:cNvPicPr>
+            <a:picLocks noChangeAspect="1"/>
+          </p:cNvPicPr>
+          <p:nvPr/>
+        </p:nvPicPr>
+        <p:blipFill>
+          <a:blip r:embed="rId2">
+            <a:extLst>
+              <a:ext uri="{28A0092B-C50C-407E-A947-70E740481C1C}">
+                <a14:useLocalDpi xmlns:a14="http://schemas.microsoft.com/office/drawing/2010/main" val="0"/>
+              </a:ext>
+            </a:extLst>
+          </a:blip>
+          <a:stretch>
+            <a:fillRect/>
+          </a:stretch>
+        </p:blipFill>
+        <p:spPr>
+          <a:xfrm>
+            <a:off x="6749143" y="1285875"/>
+            <a:ext cx="4572000" cy="5376183"/>
+          </a:xfrm>
+          <a:prstGeom prst="rect">
+            <a:avLst/>
+          </a:prstGeom>
+        </p:spPr>
+      </p:pic>
     </p:spTree>
     <p:extLst>
       <p:ext uri="{BB962C8B-B14F-4D97-AF65-F5344CB8AC3E}">
-        <p14:creationId xmlns:p14="http://schemas.microsoft.com/office/powerpoint/2010/main" val="311495753"/>
+        <p14:creationId xmlns:p14="http://schemas.microsoft.com/office/powerpoint/2010/main" val="824590391"/>
       </p:ext>
     </p:extLst>
   </p:cSld>
@@ -7105,25 +7620,7 @@
                 </a:solidFill>
                 <a:latin typeface="Trebuchet MS" panose="020B0603020202020204" pitchFamily="34" charset="0"/>
               </a:rPr>
-              <a:t>Market Opportunities (</a:t>
-            </a:r>
-            <a:r>
-              <a:rPr lang="en-US" dirty="0" err="1">
-                <a:solidFill>
-                  <a:srgbClr val="C00000"/>
-                </a:solidFill>
-                <a:latin typeface="Trebuchet MS" panose="020B0603020202020204" pitchFamily="34" charset="0"/>
-              </a:rPr>
-              <a:t>contd</a:t>
-            </a:r>
-            <a:r>
-              <a:rPr lang="en-US" dirty="0">
-                <a:solidFill>
-                  <a:srgbClr val="C00000"/>
-                </a:solidFill>
-                <a:latin typeface="Trebuchet MS" panose="020B0603020202020204" pitchFamily="34" charset="0"/>
-              </a:rPr>
-              <a:t>)</a:t>
+              <a:t>Market Opportunities</a:t>
             </a:r>
           </a:p>
         </p:txBody>
@@ -7164,12 +7661,13 @@
               <a:rPr lang="en-US" sz="2400" dirty="0">
                 <a:latin typeface="Trebuchet MS" panose="020B0603020202020204" pitchFamily="34" charset="0"/>
               </a:rPr>
-              <a:t>Poor or lack of communication exists between the stakeholders causing delays in the hiring process and impacting the bottom line overall.</a:t>
-            </a:r>
-          </a:p>
-          <a:p>
-            <a:pPr marL="0" indent="0">
-              <a:buNone/>
+              <a:t>Most hiring solutions in the market address a subset of problems in the hiring process.</a:t>
+            </a:r>
+          </a:p>
+          <a:p>
+            <a:pPr>
+              <a:buFont typeface="Wingdings" panose="05000000000000000000" pitchFamily="2" charset="2"/>
+              <a:buChar char="v"/>
             </a:pPr>
             <a:endParaRPr lang="en-US" sz="2400" dirty="0">
               <a:latin typeface="Trebuchet MS" panose="020B0603020202020204" pitchFamily="34" charset="0"/>
@@ -7184,7 +7682,19 @@
               <a:rPr lang="en-US" sz="2400" dirty="0">
                 <a:latin typeface="Trebuchet MS" panose="020B0603020202020204" pitchFamily="34" charset="0"/>
               </a:rPr>
-              <a:t>Hiring decisions are ambiguous because of inconsistent feedback from the panelists.</a:t>
+              <a:t>Solutions </a:t>
+            </a:r>
+            <a:r>
+              <a:rPr lang="en-US" sz="2400">
+                <a:latin typeface="Trebuchet MS" panose="020B0603020202020204" pitchFamily="34" charset="0"/>
+              </a:rPr>
+              <a:t>are either basic or only partially </a:t>
+            </a:r>
+            <a:r>
+              <a:rPr lang="en-US" sz="2400" dirty="0">
+                <a:latin typeface="Trebuchet MS" panose="020B0603020202020204" pitchFamily="34" charset="0"/>
+              </a:rPr>
+              <a:t>address the problems.</a:t>
             </a:r>
           </a:p>
           <a:p>
@@ -7205,8 +7715,47 @@
               <a:rPr lang="en-US" sz="2400" dirty="0">
                 <a:latin typeface="Trebuchet MS" panose="020B0603020202020204" pitchFamily="34" charset="0"/>
               </a:rPr>
-              <a:t>History of the hiring process is not preserved and no comprehensive view of hiring status at different org levels.</a:t>
-            </a:r>
+              <a:t>For shortlisted resumes, few solutions have capabilities to comprehensively and flexibly handle the hiring-process workflow from setting up the panel to creating interview rounds to releasing the offer.</a:t>
+            </a:r>
+          </a:p>
+          <a:p>
+            <a:pPr>
+              <a:buFont typeface="Wingdings" panose="05000000000000000000" pitchFamily="2" charset="2"/>
+              <a:buChar char="v"/>
+            </a:pPr>
+            <a:endParaRPr lang="en-US" sz="2400" dirty="0">
+              <a:latin typeface="Trebuchet MS" panose="020B0603020202020204" pitchFamily="34" charset="0"/>
+            </a:endParaRPr>
+          </a:p>
+          <a:p>
+            <a:pPr>
+              <a:buFont typeface="Wingdings" panose="05000000000000000000" pitchFamily="2" charset="2"/>
+              <a:buChar char="v"/>
+            </a:pPr>
+            <a:r>
+              <a:rPr lang="en-US" sz="2400" dirty="0">
+                <a:latin typeface="Trebuchet MS" panose="020B0603020202020204" pitchFamily="34" charset="0"/>
+              </a:rPr>
+              <a:t>A very large segment of recruiters and hiring managers follow manual processes and use basic tools like spreadsheets to carry out the hiring process.</a:t>
+            </a:r>
+          </a:p>
+          <a:p>
+            <a:pPr>
+              <a:buFont typeface="Wingdings" panose="05000000000000000000" pitchFamily="2" charset="2"/>
+              <a:buChar char="v"/>
+            </a:pPr>
+            <a:endParaRPr lang="en-US" sz="2400" dirty="0">
+              <a:latin typeface="Trebuchet MS" panose="020B0603020202020204" pitchFamily="34" charset="0"/>
+            </a:endParaRPr>
+          </a:p>
+          <a:p>
+            <a:pPr>
+              <a:buFont typeface="Wingdings" panose="05000000000000000000" pitchFamily="2" charset="2"/>
+              <a:buChar char="v"/>
+            </a:pPr>
+            <a:endParaRPr lang="en-US" sz="2400" dirty="0">
+              <a:latin typeface="Trebuchet MS" panose="020B0603020202020204" pitchFamily="34" charset="0"/>
+            </a:endParaRPr>
           </a:p>
           <a:p>
             <a:pPr marL="0" indent="0">
@@ -7221,7 +7770,7 @@
     </p:spTree>
     <p:extLst>
       <p:ext uri="{BB962C8B-B14F-4D97-AF65-F5344CB8AC3E}">
-        <p14:creationId xmlns:p14="http://schemas.microsoft.com/office/powerpoint/2010/main" val="4181949732"/>
+        <p14:creationId xmlns:p14="http://schemas.microsoft.com/office/powerpoint/2010/main" val="311495753"/>
       </p:ext>
     </p:extLst>
   </p:cSld>
@@ -7266,8 +7815,8 @@
         </p:nvSpPr>
         <p:spPr>
           <a:xfrm>
-            <a:off x="1295400" y="217715"/>
-            <a:ext cx="9601200" cy="870857"/>
+            <a:off x="1469572" y="446315"/>
+            <a:ext cx="9601200" cy="1004207"/>
           </a:xfrm>
         </p:spPr>
         <p:txBody>
@@ -7281,7 +7830,25 @@
                 </a:solidFill>
                 <a:latin typeface="Trebuchet MS" panose="020B0603020202020204" pitchFamily="34" charset="0"/>
               </a:rPr>
-              <a:t>Our Solution</a:t>
+              <a:t>Mission Statement (</a:t>
+            </a:r>
+            <a:r>
+              <a:rPr lang="en-US" dirty="0" err="1">
+                <a:solidFill>
+                  <a:srgbClr val="C00000"/>
+                </a:solidFill>
+                <a:latin typeface="Trebuchet MS" panose="020B0603020202020204" pitchFamily="34" charset="0"/>
+              </a:rPr>
+              <a:t>contd</a:t>
+            </a:r>
+            <a:r>
+              <a:rPr lang="en-US" dirty="0">
+                <a:solidFill>
+                  <a:srgbClr val="C00000"/>
+                </a:solidFill>
+                <a:latin typeface="Trebuchet MS" panose="020B0603020202020204" pitchFamily="34" charset="0"/>
+              </a:rPr>
+              <a:t>…)</a:t>
             </a:r>
           </a:p>
         </p:txBody>
@@ -7304,8 +7871,8 @@
         </p:nvSpPr>
         <p:spPr>
           <a:xfrm>
-            <a:off x="1295400" y="1273628"/>
-            <a:ext cx="9601200" cy="5159829"/>
+            <a:off x="1469572" y="1450522"/>
+            <a:ext cx="9601200" cy="5211536"/>
           </a:xfrm>
         </p:spPr>
         <p:txBody>
@@ -7314,81 +7881,53 @@
           </a:bodyPr>
           <a:lstStyle/>
           <a:p>
-            <a:pPr>
-              <a:buFont typeface="Wingdings" panose="05000000000000000000" pitchFamily="2" charset="2"/>
-              <a:buChar char="v"/>
+            <a:pPr marL="0" indent="0">
+              <a:buNone/>
             </a:pPr>
             <a:r>
               <a:rPr lang="en-US" sz="2400" dirty="0">
                 <a:latin typeface="Trebuchet MS" panose="020B0603020202020204" pitchFamily="34" charset="0"/>
               </a:rPr>
-              <a:t>Bring job seekers, recruiters and hiring teams on to a common platform.</a:t>
-            </a:r>
-          </a:p>
-          <a:p>
-            <a:pPr>
-              <a:buFont typeface="Wingdings" panose="05000000000000000000" pitchFamily="2" charset="2"/>
-              <a:buChar char="v"/>
+              <a:t>Recruitment is a complex and multifaceted problem. Our vision is to comprehensively address the issue and provide a one-stop solution by: </a:t>
+            </a:r>
+          </a:p>
+          <a:p>
+            <a:pPr marL="457200" indent="-457200">
+              <a:buFont typeface="+mj-lt"/>
+              <a:buAutoNum type="arabicPeriod"/>
             </a:pPr>
             <a:endParaRPr lang="en-US" sz="2400" dirty="0">
               <a:latin typeface="Trebuchet MS" panose="020B0603020202020204" pitchFamily="34" charset="0"/>
             </a:endParaRPr>
           </a:p>
           <a:p>
-            <a:pPr>
-              <a:buFont typeface="Wingdings" panose="05000000000000000000" pitchFamily="2" charset="2"/>
-              <a:buChar char="v"/>
+            <a:pPr marL="457200" indent="-457200">
+              <a:buAutoNum type="arabicPeriod" startAt="4"/>
             </a:pPr>
             <a:r>
               <a:rPr lang="en-US" sz="2400" dirty="0">
                 <a:latin typeface="Trebuchet MS" panose="020B0603020202020204" pitchFamily="34" charset="0"/>
               </a:rPr>
-              <a:t>Make the hiring process easy by (semi/)automating the scheduling of interview rounds between candidates and panelists. </a:t>
-            </a:r>
-          </a:p>
-          <a:p>
-            <a:pPr>
-              <a:buFont typeface="Wingdings" panose="05000000000000000000" pitchFamily="2" charset="2"/>
-              <a:buChar char="v"/>
-            </a:pPr>
-            <a:endParaRPr lang="en-US" sz="2400" dirty="0">
-              <a:latin typeface="Trebuchet MS" panose="020B0603020202020204" pitchFamily="34" charset="0"/>
-            </a:endParaRPr>
-          </a:p>
-          <a:p>
-            <a:pPr>
-              <a:buFont typeface="Wingdings" panose="05000000000000000000" pitchFamily="2" charset="2"/>
-              <a:buChar char="v"/>
+              <a:t>Objectively evaluating the candidate’s performance and systematically arriving at hiring decision, and </a:t>
+            </a:r>
+          </a:p>
+          <a:p>
+            <a:pPr marL="457200" indent="-457200">
+              <a:buAutoNum type="arabicPeriod" startAt="4"/>
             </a:pPr>
             <a:r>
               <a:rPr lang="en-US" sz="2400" dirty="0">
                 <a:latin typeface="Trebuchet MS" panose="020B0603020202020204" pitchFamily="34" charset="0"/>
               </a:rPr>
-              <a:t>Make hiring decisions objective, transparent and unambiguous by defining rules (ex: voting, rating or other custom rules) to the hiring procedure. </a:t>
-            </a:r>
-          </a:p>
-          <a:p>
-            <a:pPr marL="0" indent="0">
-              <a:buNone/>
-            </a:pPr>
-            <a:endParaRPr lang="en-US" sz="2800" dirty="0">
-              <a:latin typeface="Trebuchet MS" panose="020B0603020202020204" pitchFamily="34" charset="0"/>
-            </a:endParaRPr>
-          </a:p>
-          <a:p>
-            <a:pPr marL="0" indent="0">
-              <a:buNone/>
-            </a:pPr>
-            <a:endParaRPr lang="en-US" sz="2800" dirty="0">
-              <a:latin typeface="Trebuchet MS" panose="020B0603020202020204" pitchFamily="34" charset="0"/>
-            </a:endParaRPr>
+              <a:t>Enabling closer collaboration and providing comprehensive view of the hiring status to all the stakeholders.</a:t>
+            </a:r>
           </a:p>
         </p:txBody>
       </p:sp>
     </p:spTree>
     <p:extLst>
       <p:ext uri="{BB962C8B-B14F-4D97-AF65-F5344CB8AC3E}">
-        <p14:creationId xmlns:p14="http://schemas.microsoft.com/office/powerpoint/2010/main" val="3070842189"/>
+        <p14:creationId xmlns:p14="http://schemas.microsoft.com/office/powerpoint/2010/main" val="386861254"/>
       </p:ext>
     </p:extLst>
   </p:cSld>
@@ -7448,7 +7987,7 @@
                 </a:solidFill>
                 <a:latin typeface="Trebuchet MS" panose="020B0603020202020204" pitchFamily="34" charset="0"/>
               </a:rPr>
-              <a:t>Our Solution (</a:t>
+              <a:t>Market Opportunities (</a:t>
             </a:r>
             <a:r>
               <a:rPr lang="en-US" dirty="0" err="1">
@@ -7507,115 +8046,64 @@
               <a:rPr lang="en-US" sz="2400" dirty="0">
                 <a:latin typeface="Trebuchet MS" panose="020B0603020202020204" pitchFamily="34" charset="0"/>
               </a:rPr>
-              <a:t>Provide a comprehensive view of the hiring status to hiring managers, recruiters and other stakeholders. </a:t>
-            </a:r>
+              <a:t>Poor or lack of communication exists between the stakeholders causing delays in the hiring process and impacting the bottom line overall.</a:t>
+            </a:r>
+          </a:p>
+          <a:p>
+            <a:pPr marL="0" indent="0">
+              <a:buNone/>
+            </a:pPr>
+            <a:endParaRPr lang="en-US" sz="2400" dirty="0">
+              <a:latin typeface="Trebuchet MS" panose="020B0603020202020204" pitchFamily="34" charset="0"/>
+            </a:endParaRPr>
           </a:p>
           <a:p>
             <a:pPr>
               <a:buFont typeface="Wingdings" panose="05000000000000000000" pitchFamily="2" charset="2"/>
               <a:buChar char="v"/>
             </a:pPr>
+            <a:r>
+              <a:rPr lang="en-US" sz="2400" dirty="0">
+                <a:latin typeface="Trebuchet MS" panose="020B0603020202020204" pitchFamily="34" charset="0"/>
+              </a:rPr>
+              <a:t>Hiring decisions are ambiguous because of inconsistent feedback from the panelists.</a:t>
+            </a:r>
+          </a:p>
+          <a:p>
+            <a:pPr>
+              <a:buFont typeface="Wingdings" panose="05000000000000000000" pitchFamily="2" charset="2"/>
+              <a:buChar char="v"/>
+            </a:pPr>
+            <a:endParaRPr lang="en-US" sz="2400" dirty="0">
+              <a:latin typeface="Trebuchet MS" panose="020B0603020202020204" pitchFamily="34" charset="0"/>
+            </a:endParaRPr>
+          </a:p>
+          <a:p>
+            <a:pPr>
+              <a:buFont typeface="Wingdings" panose="05000000000000000000" pitchFamily="2" charset="2"/>
+              <a:buChar char="v"/>
+            </a:pPr>
+            <a:r>
+              <a:rPr lang="en-US" sz="2400" dirty="0">
+                <a:latin typeface="Trebuchet MS" panose="020B0603020202020204" pitchFamily="34" charset="0"/>
+              </a:rPr>
+              <a:t>History of the hiring process is not preserved and no comprehensive view of hiring status at different org levels.</a:t>
+            </a:r>
+          </a:p>
+          <a:p>
+            <a:pPr marL="0" indent="0">
+              <a:buNone/>
+            </a:pPr>
             <a:endParaRPr lang="en-US" sz="2800" dirty="0">
               <a:latin typeface="Trebuchet MS" panose="020B0603020202020204" pitchFamily="34" charset="0"/>
             </a:endParaRPr>
           </a:p>
-          <a:p>
-            <a:pPr>
-              <a:buFont typeface="Wingdings" panose="05000000000000000000" pitchFamily="2" charset="2"/>
-              <a:buChar char="v"/>
-            </a:pPr>
-            <a:r>
-              <a:rPr lang="en-US" sz="2400" dirty="0">
-                <a:latin typeface="Trebuchet MS" panose="020B0603020202020204" pitchFamily="34" charset="0"/>
-              </a:rPr>
-              <a:t>Enable instant and right level of communication among all the stakeholders during the hiring process.</a:t>
-            </a:r>
-          </a:p>
-          <a:p>
-            <a:pPr>
-              <a:buFont typeface="Wingdings" panose="05000000000000000000" pitchFamily="2" charset="2"/>
-              <a:buChar char="v"/>
-            </a:pPr>
-            <a:endParaRPr lang="en-US" sz="2400" dirty="0">
-              <a:latin typeface="Trebuchet MS" panose="020B0603020202020204" pitchFamily="34" charset="0"/>
-            </a:endParaRPr>
-          </a:p>
-          <a:p>
-            <a:pPr>
-              <a:buFont typeface="Wingdings" panose="05000000000000000000" pitchFamily="2" charset="2"/>
-              <a:buChar char="v"/>
-            </a:pPr>
-            <a:r>
-              <a:rPr lang="en-US" sz="2400" dirty="0">
-                <a:latin typeface="Trebuchet MS" panose="020B0603020202020204" pitchFamily="34" charset="0"/>
-              </a:rPr>
-              <a:t>Assist hiring teams to improve their procedures by proving an analytic view of their hiring processes. </a:t>
-            </a:r>
-          </a:p>
-          <a:p>
-            <a:pPr>
-              <a:buFont typeface="Wingdings" panose="05000000000000000000" pitchFamily="2" charset="2"/>
-              <a:buChar char="v"/>
-            </a:pPr>
-            <a:endParaRPr lang="en-US" sz="2400" dirty="0">
-              <a:latin typeface="Trebuchet MS" panose="020B0603020202020204" pitchFamily="34" charset="0"/>
-            </a:endParaRPr>
-          </a:p>
-          <a:p>
-            <a:pPr>
-              <a:buFont typeface="Wingdings" panose="05000000000000000000" pitchFamily="2" charset="2"/>
-              <a:buChar char="v"/>
-            </a:pPr>
-            <a:r>
-              <a:rPr lang="en-US" sz="2400" dirty="0">
-                <a:latin typeface="Trebuchet MS" panose="020B0603020202020204" pitchFamily="34" charset="0"/>
-              </a:rPr>
-              <a:t>Use AI to predict the relevance of the candidate to the job using some kind of pre-assessment(Test/Questionnaire/Past Experience </a:t>
-            </a:r>
-            <a:r>
-              <a:rPr lang="en-US" sz="2400" dirty="0" err="1">
-                <a:latin typeface="Trebuchet MS" panose="020B0603020202020204" pitchFamily="34" charset="0"/>
-              </a:rPr>
-              <a:t>etc</a:t>
-            </a:r>
-            <a:r>
-              <a:rPr lang="en-US" sz="2400" dirty="0">
-                <a:latin typeface="Trebuchet MS" panose="020B0603020202020204" pitchFamily="34" charset="0"/>
-              </a:rPr>
-              <a:t>).</a:t>
-            </a:r>
-          </a:p>
-          <a:p>
-            <a:pPr>
-              <a:buFont typeface="Wingdings" panose="05000000000000000000" pitchFamily="2" charset="2"/>
-              <a:buChar char="v"/>
-            </a:pPr>
-            <a:endParaRPr lang="en-US" sz="2400" dirty="0">
-              <a:latin typeface="Trebuchet MS" panose="020B0603020202020204" pitchFamily="34" charset="0"/>
-            </a:endParaRPr>
-          </a:p>
-          <a:p>
-            <a:pPr marL="0" indent="0">
-              <a:buNone/>
-            </a:pPr>
-            <a:endParaRPr lang="en-US" sz="2400" dirty="0">
-              <a:latin typeface="Trebuchet MS" panose="020B0603020202020204" pitchFamily="34" charset="0"/>
-            </a:endParaRPr>
-          </a:p>
-          <a:p>
-            <a:pPr marL="0" indent="0">
-              <a:buNone/>
-            </a:pPr>
-            <a:endParaRPr lang="en-US" sz="2800" dirty="0">
-              <a:latin typeface="Trebuchet MS" panose="020B0603020202020204" pitchFamily="34" charset="0"/>
-            </a:endParaRPr>
-          </a:p>
         </p:txBody>
       </p:sp>
     </p:spTree>
     <p:extLst>
       <p:ext uri="{BB962C8B-B14F-4D97-AF65-F5344CB8AC3E}">
-        <p14:creationId xmlns:p14="http://schemas.microsoft.com/office/powerpoint/2010/main" val="2014447036"/>
+        <p14:creationId xmlns:p14="http://schemas.microsoft.com/office/powerpoint/2010/main" val="4181949732"/>
       </p:ext>
     </p:extLst>
   </p:cSld>
@@ -7675,7 +8163,7 @@
                 </a:solidFill>
                 <a:latin typeface="Trebuchet MS" panose="020B0603020202020204" pitchFamily="34" charset="0"/>
               </a:rPr>
-              <a:t>Our Technology</a:t>
+              <a:t>Our Solution</a:t>
             </a:r>
           </a:p>
         </p:txBody>
@@ -7716,7 +8204,7 @@
               <a:rPr lang="en-US" sz="2400" dirty="0">
                 <a:latin typeface="Trebuchet MS" panose="020B0603020202020204" pitchFamily="34" charset="0"/>
               </a:rPr>
-              <a:t>Provide a cloud-based, multi-tenant solution to cater to the hiring needs of companies across business domains. </a:t>
+              <a:t>Bring job seekers, recruiters and hiring teams on to a common platform.</a:t>
             </a:r>
           </a:p>
           <a:p>
@@ -7724,73 +8212,52 @@
               <a:buFont typeface="Wingdings" panose="05000000000000000000" pitchFamily="2" charset="2"/>
               <a:buChar char="v"/>
             </a:pPr>
+            <a:endParaRPr lang="en-US" sz="2400" dirty="0">
+              <a:latin typeface="Trebuchet MS" panose="020B0603020202020204" pitchFamily="34" charset="0"/>
+            </a:endParaRPr>
+          </a:p>
+          <a:p>
+            <a:pPr>
+              <a:buFont typeface="Wingdings" panose="05000000000000000000" pitchFamily="2" charset="2"/>
+              <a:buChar char="v"/>
+            </a:pPr>
+            <a:r>
+              <a:rPr lang="en-US" sz="2400" dirty="0">
+                <a:latin typeface="Trebuchet MS" panose="020B0603020202020204" pitchFamily="34" charset="0"/>
+              </a:rPr>
+              <a:t>Make the hiring process easy by (semi/)automating the scheduling of interview rounds between candidates and panelists. </a:t>
+            </a:r>
+          </a:p>
+          <a:p>
+            <a:pPr>
+              <a:buFont typeface="Wingdings" panose="05000000000000000000" pitchFamily="2" charset="2"/>
+              <a:buChar char="v"/>
+            </a:pPr>
+            <a:endParaRPr lang="en-US" sz="2400" dirty="0">
+              <a:latin typeface="Trebuchet MS" panose="020B0603020202020204" pitchFamily="34" charset="0"/>
+            </a:endParaRPr>
+          </a:p>
+          <a:p>
+            <a:pPr>
+              <a:buFont typeface="Wingdings" panose="05000000000000000000" pitchFamily="2" charset="2"/>
+              <a:buChar char="v"/>
+            </a:pPr>
+            <a:r>
+              <a:rPr lang="en-US" sz="2400" dirty="0">
+                <a:latin typeface="Trebuchet MS" panose="020B0603020202020204" pitchFamily="34" charset="0"/>
+              </a:rPr>
+              <a:t>Make hiring decisions objective, transparent and unambiguous by defining rules (ex: voting, rating or other custom rules) to the hiring procedure. </a:t>
+            </a:r>
+          </a:p>
+          <a:p>
+            <a:pPr marL="0" indent="0">
+              <a:buNone/>
+            </a:pPr>
             <a:endParaRPr lang="en-US" sz="2800" dirty="0">
               <a:latin typeface="Trebuchet MS" panose="020B0603020202020204" pitchFamily="34" charset="0"/>
             </a:endParaRPr>
           </a:p>
           <a:p>
-            <a:pPr>
-              <a:buFont typeface="Wingdings" panose="05000000000000000000" pitchFamily="2" charset="2"/>
-              <a:buChar char="v"/>
-            </a:pPr>
-            <a:r>
-              <a:rPr lang="en-US" sz="2400" dirty="0">
-                <a:latin typeface="Trebuchet MS" panose="020B0603020202020204" pitchFamily="34" charset="0"/>
-              </a:rPr>
-              <a:t>Notifications are a crucial part of our product to provide instant updates to stakeholders at various stages of the hiring process. </a:t>
-            </a:r>
-          </a:p>
-          <a:p>
-            <a:pPr>
-              <a:buFont typeface="Wingdings" panose="05000000000000000000" pitchFamily="2" charset="2"/>
-              <a:buChar char="v"/>
-            </a:pPr>
-            <a:endParaRPr lang="en-US" sz="2400" dirty="0">
-              <a:latin typeface="Trebuchet MS" panose="020B0603020202020204" pitchFamily="34" charset="0"/>
-            </a:endParaRPr>
-          </a:p>
-          <a:p>
-            <a:pPr>
-              <a:buFont typeface="Wingdings" panose="05000000000000000000" pitchFamily="2" charset="2"/>
-              <a:buChar char="v"/>
-            </a:pPr>
-            <a:r>
-              <a:rPr lang="en-US" sz="2400" dirty="0">
-                <a:latin typeface="Trebuchet MS" panose="020B0603020202020204" pitchFamily="34" charset="0"/>
-              </a:rPr>
-              <a:t>Web and mobile-based solution for ubiquitous availability, and fast and reliable communication. </a:t>
-            </a:r>
-          </a:p>
-          <a:p>
-            <a:pPr>
-              <a:buFont typeface="Wingdings" panose="05000000000000000000" pitchFamily="2" charset="2"/>
-              <a:buChar char="v"/>
-            </a:pPr>
-            <a:endParaRPr lang="en-US" sz="2400" dirty="0">
-              <a:latin typeface="Trebuchet MS" panose="020B0603020202020204" pitchFamily="34" charset="0"/>
-            </a:endParaRPr>
-          </a:p>
-          <a:p>
-            <a:pPr>
-              <a:buFont typeface="Wingdings" panose="05000000000000000000" pitchFamily="2" charset="2"/>
-              <a:buChar char="v"/>
-            </a:pPr>
-            <a:r>
-              <a:rPr lang="en-US" sz="2400" dirty="0">
-                <a:latin typeface="Trebuchet MS" panose="020B0603020202020204" pitchFamily="34" charset="0"/>
-              </a:rPr>
-              <a:t>Reporting tools to analyze the hiring processes and take course-corrective actions. </a:t>
-            </a:r>
-          </a:p>
-          <a:p>
-            <a:pPr marL="0" indent="0">
-              <a:buNone/>
-            </a:pPr>
-            <a:endParaRPr lang="en-US" sz="2400" dirty="0">
-              <a:latin typeface="Trebuchet MS" panose="020B0603020202020204" pitchFamily="34" charset="0"/>
-            </a:endParaRPr>
-          </a:p>
-          <a:p>
             <a:pPr marL="0" indent="0">
               <a:buNone/>
             </a:pPr>
@@ -7803,7 +8270,7 @@
     </p:spTree>
     <p:extLst>
       <p:ext uri="{BB962C8B-B14F-4D97-AF65-F5344CB8AC3E}">
-        <p14:creationId xmlns:p14="http://schemas.microsoft.com/office/powerpoint/2010/main" val="3212465578"/>
+        <p14:creationId xmlns:p14="http://schemas.microsoft.com/office/powerpoint/2010/main" val="3070842189"/>
       </p:ext>
     </p:extLst>
   </p:cSld>
@@ -7863,7 +8330,25 @@
                 </a:solidFill>
                 <a:latin typeface="Trebuchet MS" panose="020B0603020202020204" pitchFamily="34" charset="0"/>
               </a:rPr>
-              <a:t>Target Customers</a:t>
+              <a:t>Our Solution (</a:t>
+            </a:r>
+            <a:r>
+              <a:rPr lang="en-US" dirty="0" err="1">
+                <a:solidFill>
+                  <a:srgbClr val="C00000"/>
+                </a:solidFill>
+                <a:latin typeface="Trebuchet MS" panose="020B0603020202020204" pitchFamily="34" charset="0"/>
+              </a:rPr>
+              <a:t>contd</a:t>
+            </a:r>
+            <a:r>
+              <a:rPr lang="en-US" dirty="0">
+                <a:solidFill>
+                  <a:srgbClr val="C00000"/>
+                </a:solidFill>
+                <a:latin typeface="Trebuchet MS" panose="020B0603020202020204" pitchFamily="34" charset="0"/>
+              </a:rPr>
+              <a:t>)</a:t>
             </a:r>
           </a:p>
         </p:txBody>
@@ -7904,7 +8389,7 @@
               <a:rPr lang="en-US" sz="2400" dirty="0">
                 <a:latin typeface="Trebuchet MS" panose="020B0603020202020204" pitchFamily="34" charset="0"/>
               </a:rPr>
-              <a:t>Businesses with continuous hiring needs. </a:t>
+              <a:t>Provide a comprehensive view of the hiring status to hiring managers, recruiters and other stakeholders. </a:t>
             </a:r>
           </a:p>
           <a:p>
@@ -7912,6 +8397,27 @@
               <a:buFont typeface="Wingdings" panose="05000000000000000000" pitchFamily="2" charset="2"/>
               <a:buChar char="v"/>
             </a:pPr>
+            <a:endParaRPr lang="en-US" sz="2800" dirty="0">
+              <a:latin typeface="Trebuchet MS" panose="020B0603020202020204" pitchFamily="34" charset="0"/>
+            </a:endParaRPr>
+          </a:p>
+          <a:p>
+            <a:pPr>
+              <a:buFont typeface="Wingdings" panose="05000000000000000000" pitchFamily="2" charset="2"/>
+              <a:buChar char="v"/>
+            </a:pPr>
+            <a:r>
+              <a:rPr lang="en-US" sz="2400" dirty="0">
+                <a:latin typeface="Trebuchet MS" panose="020B0603020202020204" pitchFamily="34" charset="0"/>
+              </a:rPr>
+              <a:t>Enable instant and right level of communication among all the stakeholders during the hiring process.</a:t>
+            </a:r>
+          </a:p>
+          <a:p>
+            <a:pPr>
+              <a:buFont typeface="Wingdings" panose="05000000000000000000" pitchFamily="2" charset="2"/>
+              <a:buChar char="v"/>
+            </a:pPr>
             <a:endParaRPr lang="en-US" sz="2400" dirty="0">
               <a:latin typeface="Trebuchet MS" panose="020B0603020202020204" pitchFamily="34" charset="0"/>
             </a:endParaRPr>
@@ -7925,7 +8431,7 @@
               <a:rPr lang="en-US" sz="2400" dirty="0">
                 <a:latin typeface="Trebuchet MS" panose="020B0603020202020204" pitchFamily="34" charset="0"/>
               </a:rPr>
-              <a:t>Provide VAS to online portals like naukri.com, monster.com, shine.com etc.</a:t>
+              <a:t>Assist hiring teams to improve their procedures by proving an analytic view of their hiring processes. </a:t>
             </a:r>
           </a:p>
           <a:p>
@@ -7933,40 +8439,65 @@
               <a:buFont typeface="Wingdings" panose="05000000000000000000" pitchFamily="2" charset="2"/>
               <a:buChar char="v"/>
             </a:pPr>
+            <a:endParaRPr lang="en-US" sz="2400" dirty="0">
+              <a:latin typeface="Trebuchet MS" panose="020B0603020202020204" pitchFamily="34" charset="0"/>
+            </a:endParaRPr>
+          </a:p>
+          <a:p>
+            <a:pPr>
+              <a:buFont typeface="Wingdings" panose="05000000000000000000" pitchFamily="2" charset="2"/>
+              <a:buChar char="v"/>
+            </a:pPr>
+            <a:r>
+              <a:rPr lang="en-US" sz="2400" dirty="0">
+                <a:latin typeface="Trebuchet MS" panose="020B0603020202020204" pitchFamily="34" charset="0"/>
+              </a:rPr>
+              <a:t>Use AI to predict the relevance of the candidate to the job using some kind of pre-assessment(Test/Questionnaire/Past Experience </a:t>
+            </a:r>
+            <a:r>
+              <a:rPr lang="en-US" sz="2400" dirty="0" err="1">
+                <a:latin typeface="Trebuchet MS" panose="020B0603020202020204" pitchFamily="34" charset="0"/>
+              </a:rPr>
+              <a:t>etc</a:t>
+            </a:r>
+            <a:r>
+              <a:rPr lang="en-US" sz="2400" dirty="0">
+                <a:latin typeface="Trebuchet MS" panose="020B0603020202020204" pitchFamily="34" charset="0"/>
+              </a:rPr>
+              <a:t>).</a:t>
+            </a:r>
+          </a:p>
+          <a:p>
+            <a:pPr>
+              <a:buFont typeface="Wingdings" panose="05000000000000000000" pitchFamily="2" charset="2"/>
+              <a:buChar char="v"/>
+            </a:pPr>
+            <a:endParaRPr lang="en-US" sz="2400" dirty="0">
+              <a:latin typeface="Trebuchet MS" panose="020B0603020202020204" pitchFamily="34" charset="0"/>
+            </a:endParaRPr>
+          </a:p>
+          <a:p>
+            <a:pPr marL="0" indent="0">
+              <a:buNone/>
+            </a:pPr>
+            <a:endParaRPr lang="en-US" sz="2400" dirty="0">
+              <a:latin typeface="Trebuchet MS" panose="020B0603020202020204" pitchFamily="34" charset="0"/>
+            </a:endParaRPr>
+          </a:p>
+          <a:p>
+            <a:pPr marL="0" indent="0">
+              <a:buNone/>
+            </a:pPr>
             <a:endParaRPr lang="en-US" sz="2800" dirty="0">
               <a:latin typeface="Trebuchet MS" panose="020B0603020202020204" pitchFamily="34" charset="0"/>
             </a:endParaRPr>
           </a:p>
-          <a:p>
-            <a:pPr marL="0" indent="0">
-              <a:buNone/>
-            </a:pPr>
-            <a:endParaRPr lang="en-US" sz="2400" dirty="0">
-              <a:latin typeface="Trebuchet MS" panose="020B0603020202020204" pitchFamily="34" charset="0"/>
-            </a:endParaRPr>
-          </a:p>
-          <a:p>
-            <a:pPr marL="0" indent="0">
-              <a:buNone/>
-            </a:pPr>
-            <a:endParaRPr lang="en-US" sz="2400" dirty="0">
-              <a:latin typeface="Trebuchet MS" panose="020B0603020202020204" pitchFamily="34" charset="0"/>
-            </a:endParaRPr>
-          </a:p>
-          <a:p>
-            <a:pPr marL="0" indent="0">
-              <a:buNone/>
-            </a:pPr>
-            <a:endParaRPr lang="en-US" sz="2800" dirty="0">
-              <a:latin typeface="Trebuchet MS" panose="020B0603020202020204" pitchFamily="34" charset="0"/>
-            </a:endParaRPr>
-          </a:p>
         </p:txBody>
       </p:sp>
     </p:spTree>
     <p:extLst>
       <p:ext uri="{BB962C8B-B14F-4D97-AF65-F5344CB8AC3E}">
-        <p14:creationId xmlns:p14="http://schemas.microsoft.com/office/powerpoint/2010/main" val="1724144454"/>
+        <p14:creationId xmlns:p14="http://schemas.microsoft.com/office/powerpoint/2010/main" val="2014447036"/>
       </p:ext>
     </p:extLst>
   </p:cSld>
@@ -8026,7 +8557,7 @@
                 </a:solidFill>
                 <a:latin typeface="Trebuchet MS" panose="020B0603020202020204" pitchFamily="34" charset="0"/>
               </a:rPr>
-              <a:t>Value Proposition</a:t>
+              <a:t>Our Technology</a:t>
             </a:r>
           </a:p>
         </p:txBody>
@@ -8067,7 +8598,7 @@
               <a:rPr lang="en-US" sz="2400" dirty="0">
                 <a:latin typeface="Trebuchet MS" panose="020B0603020202020204" pitchFamily="34" charset="0"/>
               </a:rPr>
-              <a:t>Streamlined hiring process for businesses to save time and/or outsourcing costs. </a:t>
+              <a:t>Provide a cloud-based, multi-tenant solution to cater to the hiring needs of companies across business domains. </a:t>
             </a:r>
           </a:p>
           <a:p>
@@ -8075,73 +8606,73 @@
               <a:buFont typeface="Wingdings" panose="05000000000000000000" pitchFamily="2" charset="2"/>
               <a:buChar char="v"/>
             </a:pPr>
+            <a:endParaRPr lang="en-US" sz="2800" dirty="0">
+              <a:latin typeface="Trebuchet MS" panose="020B0603020202020204" pitchFamily="34" charset="0"/>
+            </a:endParaRPr>
+          </a:p>
+          <a:p>
+            <a:pPr>
+              <a:buFont typeface="Wingdings" panose="05000000000000000000" pitchFamily="2" charset="2"/>
+              <a:buChar char="v"/>
+            </a:pPr>
+            <a:r>
+              <a:rPr lang="en-US" sz="2400" dirty="0">
+                <a:latin typeface="Trebuchet MS" panose="020B0603020202020204" pitchFamily="34" charset="0"/>
+              </a:rPr>
+              <a:t>Notifications are a crucial part of our product to provide instant updates to stakeholders at various stages of the hiring process. </a:t>
+            </a:r>
+          </a:p>
+          <a:p>
+            <a:pPr>
+              <a:buFont typeface="Wingdings" panose="05000000000000000000" pitchFamily="2" charset="2"/>
+              <a:buChar char="v"/>
+            </a:pPr>
             <a:endParaRPr lang="en-US" sz="2400" dirty="0">
               <a:latin typeface="Trebuchet MS" panose="020B0603020202020204" pitchFamily="34" charset="0"/>
             </a:endParaRPr>
           </a:p>
           <a:p>
-            <a:pPr lvl="1">
-              <a:buFont typeface="Wingdings" panose="05000000000000000000" pitchFamily="2" charset="2"/>
-              <a:buChar char="v"/>
-            </a:pPr>
-            <a:r>
-              <a:rPr lang="en-US" sz="2400" dirty="0">
-                <a:latin typeface="Trebuchet MS" panose="020B0603020202020204" pitchFamily="34" charset="0"/>
-              </a:rPr>
-              <a:t>Automated web and mobile notifications help in reducing delays associated with communication between stakeholders. </a:t>
-            </a:r>
-          </a:p>
-          <a:p>
             <a:pPr>
               <a:buFont typeface="Wingdings" panose="05000000000000000000" pitchFamily="2" charset="2"/>
               <a:buChar char="v"/>
             </a:pPr>
+            <a:r>
+              <a:rPr lang="en-US" sz="2400" dirty="0">
+                <a:latin typeface="Trebuchet MS" panose="020B0603020202020204" pitchFamily="34" charset="0"/>
+              </a:rPr>
+              <a:t>Web and mobile-based solution for ubiquitous availability, and fast and reliable communication. </a:t>
+            </a:r>
+          </a:p>
+          <a:p>
+            <a:pPr>
+              <a:buFont typeface="Wingdings" panose="05000000000000000000" pitchFamily="2" charset="2"/>
+              <a:buChar char="v"/>
+            </a:pPr>
             <a:endParaRPr lang="en-US" sz="2400" dirty="0">
               <a:latin typeface="Trebuchet MS" panose="020B0603020202020204" pitchFamily="34" charset="0"/>
             </a:endParaRPr>
           </a:p>
           <a:p>
-            <a:pPr lvl="1">
-              <a:buFont typeface="Wingdings" panose="05000000000000000000" pitchFamily="2" charset="2"/>
-              <a:buChar char="v"/>
-            </a:pPr>
-            <a:r>
-              <a:rPr lang="en-US" sz="2400" dirty="0">
-                <a:latin typeface="Trebuchet MS" panose="020B0603020202020204" pitchFamily="34" charset="0"/>
-              </a:rPr>
-              <a:t>Enables objective and fast decision-making and hence less time is required to bring an employee on board. </a:t>
-            </a:r>
-          </a:p>
-          <a:p>
             <a:pPr>
               <a:buFont typeface="Wingdings" panose="05000000000000000000" pitchFamily="2" charset="2"/>
               <a:buChar char="v"/>
             </a:pPr>
+            <a:r>
+              <a:rPr lang="en-US" sz="2400" dirty="0">
+                <a:latin typeface="Trebuchet MS" panose="020B0603020202020204" pitchFamily="34" charset="0"/>
+              </a:rPr>
+              <a:t>Reporting tools to analyze the hiring processes and take course-corrective actions. </a:t>
+            </a:r>
+          </a:p>
+          <a:p>
+            <a:pPr marL="0" indent="0">
+              <a:buNone/>
+            </a:pPr>
             <a:endParaRPr lang="en-US" sz="2400" dirty="0">
               <a:latin typeface="Trebuchet MS" panose="020B0603020202020204" pitchFamily="34" charset="0"/>
             </a:endParaRPr>
           </a:p>
           <a:p>
-            <a:pPr>
-              <a:buFont typeface="Wingdings" panose="05000000000000000000" pitchFamily="2" charset="2"/>
-              <a:buChar char="v"/>
-            </a:pPr>
-            <a:r>
-              <a:rPr lang="en-US" sz="2400" dirty="0">
-                <a:latin typeface="Trebuchet MS" panose="020B0603020202020204" pitchFamily="34" charset="0"/>
-              </a:rPr>
-              <a:t>Provides a great value-added-service to online job portals that just hold the profile information of a job seeker. </a:t>
-            </a:r>
-          </a:p>
-          <a:p>
-            <a:pPr marL="0" indent="0">
-              <a:buNone/>
-            </a:pPr>
-            <a:endParaRPr lang="en-US" sz="2400" dirty="0">
-              <a:latin typeface="Trebuchet MS" panose="020B0603020202020204" pitchFamily="34" charset="0"/>
-            </a:endParaRPr>
-          </a:p>
-          <a:p>
             <a:pPr marL="0" indent="0">
               <a:buNone/>
             </a:pPr>
@@ -8154,7 +8685,7 @@
     </p:spTree>
     <p:extLst>
       <p:ext uri="{BB962C8B-B14F-4D97-AF65-F5344CB8AC3E}">
-        <p14:creationId xmlns:p14="http://schemas.microsoft.com/office/powerpoint/2010/main" val="3163797255"/>
+        <p14:creationId xmlns:p14="http://schemas.microsoft.com/office/powerpoint/2010/main" val="3212465578"/>
       </p:ext>
     </p:extLst>
   </p:cSld>
